--- a/power point/Apresentação.pptx
+++ b/power point/Apresentação.pptx
@@ -5,22 +5,25 @@
     <p:sldMasterId id="2147483648" r:id="rId2"/>
   </p:sldMasterIdLst>
   <p:notesMasterIdLst>
-    <p:notesMasterId r:id="rId13"/>
+    <p:notesMasterId r:id="rId16"/>
   </p:notesMasterIdLst>
   <p:handoutMasterIdLst>
-    <p:handoutMasterId r:id="rId14"/>
+    <p:handoutMasterId r:id="rId17"/>
   </p:handoutMasterIdLst>
   <p:sldIdLst>
     <p:sldId id="256" r:id="rId3"/>
     <p:sldId id="261" r:id="rId4"/>
     <p:sldId id="262" r:id="rId5"/>
-    <p:sldId id="268" r:id="rId6"/>
-    <p:sldId id="263" r:id="rId7"/>
-    <p:sldId id="264" r:id="rId8"/>
-    <p:sldId id="265" r:id="rId9"/>
-    <p:sldId id="266" r:id="rId10"/>
-    <p:sldId id="267" r:id="rId11"/>
-    <p:sldId id="269" r:id="rId12"/>
+    <p:sldId id="267" r:id="rId6"/>
+    <p:sldId id="268" r:id="rId7"/>
+    <p:sldId id="263" r:id="rId8"/>
+    <p:sldId id="264" r:id="rId9"/>
+    <p:sldId id="265" r:id="rId10"/>
+    <p:sldId id="270" r:id="rId11"/>
+    <p:sldId id="271" r:id="rId12"/>
+    <p:sldId id="266" r:id="rId13"/>
+    <p:sldId id="272" r:id="rId14"/>
+    <p:sldId id="269" r:id="rId15"/>
   </p:sldIdLst>
   <p:sldSz cx="9144000" cy="6858000" type="screen4x3"/>
   <p:notesSz cx="6858000" cy="9144000"/>
@@ -227,7 +230,7 @@
           <a:p>
             <a:fld id="{957E3F99-D12F-4954-A61D-F49FB68D10A3}" type="datetimeFigureOut">
               <a:rPr lang="pt-BR" smtClean="0"/>
-              <a:t>25/11/2017</a:t>
+              <a:t>12/12/2017</a:t>
             </a:fld>
             <a:endParaRPr lang="pt-BR"/>
           </a:p>
@@ -392,7 +395,7 @@
           <a:p>
             <a:fld id="{9957FB3D-CA2F-9B4E-AE1C-D66054431060}" type="datetimeFigureOut">
               <a:rPr lang="pt-BR" smtClean="0"/>
-              <a:t>25/11/2017</a:t>
+              <a:t>12/12/2017</a:t>
             </a:fld>
             <a:endParaRPr lang="pt-BR"/>
           </a:p>
@@ -806,7 +809,7 @@
           <a:p>
             <a:fld id="{2E60D82F-4EDC-49F1-9B28-C237C8B75C57}" type="datetimeFigureOut">
               <a:rPr lang="pt-BR" smtClean="0"/>
-              <a:t>25/11/2017</a:t>
+              <a:t>12/12/2017</a:t>
             </a:fld>
             <a:endParaRPr lang="pt-BR"/>
           </a:p>
@@ -953,7 +956,7 @@
           <a:p>
             <a:fld id="{2E60D82F-4EDC-49F1-9B28-C237C8B75C57}" type="datetimeFigureOut">
               <a:rPr lang="pt-BR" smtClean="0"/>
-              <a:t>25/11/2017</a:t>
+              <a:t>12/12/2017</a:t>
             </a:fld>
             <a:endParaRPr lang="pt-BR"/>
           </a:p>
@@ -1077,7 +1080,7 @@
           <a:p>
             <a:fld id="{2E60D82F-4EDC-49F1-9B28-C237C8B75C57}" type="datetimeFigureOut">
               <a:rPr lang="pt-BR" smtClean="0"/>
-              <a:t>25/11/2017</a:t>
+              <a:t>12/12/2017</a:t>
             </a:fld>
             <a:endParaRPr lang="pt-BR"/>
           </a:p>
@@ -1224,7 +1227,7 @@
           <a:p>
             <a:fld id="{2E60D82F-4EDC-49F1-9B28-C237C8B75C57}" type="datetimeFigureOut">
               <a:rPr lang="pt-BR" smtClean="0"/>
-              <a:t>25/11/2017</a:t>
+              <a:t>12/12/2017</a:t>
             </a:fld>
             <a:endParaRPr lang="pt-BR"/>
           </a:p>
@@ -1371,7 +1374,7 @@
           <a:p>
             <a:fld id="{2E60D82F-4EDC-49F1-9B28-C237C8B75C57}" type="datetimeFigureOut">
               <a:rPr lang="pt-BR" smtClean="0"/>
-              <a:t>25/11/2017</a:t>
+              <a:t>12/12/2017</a:t>
             </a:fld>
             <a:endParaRPr lang="pt-BR"/>
           </a:p>
@@ -1612,7 +1615,7 @@
           <a:p>
             <a:fld id="{2E60D82F-4EDC-49F1-9B28-C237C8B75C57}" type="datetimeFigureOut">
               <a:rPr lang="pt-BR" smtClean="0"/>
-              <a:t>25/11/2017</a:t>
+              <a:t>12/12/2017</a:t>
             </a:fld>
             <a:endParaRPr lang="pt-BR"/>
           </a:p>
@@ -2309,6 +2312,1415 @@
         </p:nvSpPr>
         <p:spPr>
           <a:xfrm>
+            <a:off x="1187624" y="188640"/>
+            <a:ext cx="5345118" cy="923330"/>
+          </a:xfrm>
+          <a:prstGeom prst="rect">
+            <a:avLst/>
+          </a:prstGeom>
+          <a:noFill/>
+        </p:spPr>
+        <p:txBody>
+          <a:bodyPr wrap="none" lIns="91440" tIns="45720" rIns="91440" bIns="45720">
+            <a:spAutoFit/>
+          </a:bodyPr>
+          <a:lstStyle/>
+          <a:p>
+            <a:pPr algn="ctr"/>
+            <a:r>
+              <a:rPr lang="pt-BR" sz="5400" b="1" u="sng" cap="none" spc="0" dirty="0" smtClean="0">
+                <a:ln w="22225">
+                  <a:solidFill>
+                    <a:schemeClr val="accent2"/>
+                  </a:solidFill>
+                  <a:prstDash val="solid"/>
+                </a:ln>
+                <a:solidFill>
+                  <a:schemeClr val="accent2">
+                    <a:lumMod val="40000"/>
+                    <a:lumOff val="60000"/>
+                  </a:schemeClr>
+                </a:solidFill>
+              </a:rPr>
+              <a:t>Material Utilizado</a:t>
+            </a:r>
+            <a:endParaRPr lang="pt-BR" sz="5400" b="1" u="sng" cap="none" spc="0" dirty="0">
+              <a:ln w="22225">
+                <a:solidFill>
+                  <a:schemeClr val="accent2"/>
+                </a:solidFill>
+                <a:prstDash val="solid"/>
+              </a:ln>
+              <a:solidFill>
+                <a:schemeClr val="accent2">
+                  <a:lumMod val="40000"/>
+                  <a:lumOff val="60000"/>
+                </a:schemeClr>
+              </a:solidFill>
+            </a:endParaRPr>
+          </a:p>
+        </p:txBody>
+      </p:sp>
+      <p:sp>
+        <p:nvSpPr>
+          <p:cNvPr id="4" name="Retângulo 3">
+            <a:extLst>
+              <a:ext uri="{FF2B5EF4-FFF2-40B4-BE49-F238E27FC236}">
+                <a16:creationId xmlns:a16="http://schemas.microsoft.com/office/drawing/2014/main" id="{837F4B3F-D2FE-4D53-86BF-18FA42ABAAF0}"/>
+              </a:ext>
+            </a:extLst>
+          </p:cNvPr>
+          <p:cNvSpPr/>
+          <p:nvPr/>
+        </p:nvSpPr>
+        <p:spPr>
+          <a:xfrm>
+            <a:off x="1331640" y="1105969"/>
+            <a:ext cx="7992023" cy="6586418"/>
+          </a:xfrm>
+          <a:prstGeom prst="rect">
+            <a:avLst/>
+          </a:prstGeom>
+          <a:noFill/>
+        </p:spPr>
+        <p:txBody>
+          <a:bodyPr wrap="square" lIns="91440" tIns="45720" rIns="91440" bIns="45720">
+            <a:spAutoFit/>
+          </a:bodyPr>
+          <a:lstStyle/>
+          <a:p>
+            <a:pPr marL="571500" indent="-571500">
+              <a:buFont typeface="Arial" panose="020B0604020202020204" pitchFamily="34" charset="0"/>
+              <a:buChar char="•"/>
+            </a:pPr>
+            <a:r>
+              <a:rPr lang="pt-BR" sz="3600" b="1" dirty="0" smtClean="0">
+                <a:ln w="6600">
+                  <a:solidFill>
+                    <a:schemeClr val="accent2"/>
+                  </a:solidFill>
+                  <a:prstDash val="solid"/>
+                </a:ln>
+                <a:solidFill>
+                  <a:srgbClr val="FFFFFF"/>
+                </a:solidFill>
+                <a:effectLst>
+                  <a:outerShdw dist="38100" dir="2700000" algn="tl" rotWithShape="0">
+                    <a:schemeClr val="accent2"/>
+                  </a:outerShdw>
+                </a:effectLst>
+              </a:rPr>
+              <a:t>1x </a:t>
+            </a:r>
+            <a:r>
+              <a:rPr lang="pt-BR" sz="3600" b="1" dirty="0" err="1" smtClean="0">
+                <a:ln w="6600">
+                  <a:solidFill>
+                    <a:schemeClr val="accent2"/>
+                  </a:solidFill>
+                  <a:prstDash val="solid"/>
+                </a:ln>
+                <a:solidFill>
+                  <a:srgbClr val="FFFFFF"/>
+                </a:solidFill>
+                <a:effectLst>
+                  <a:outerShdw dist="38100" dir="2700000" algn="tl" rotWithShape="0">
+                    <a:schemeClr val="accent2"/>
+                  </a:outerShdw>
+                </a:effectLst>
+              </a:rPr>
+              <a:t>Arduino</a:t>
+            </a:r>
+            <a:r>
+              <a:rPr lang="pt-BR" sz="3600" b="1" dirty="0" smtClean="0">
+                <a:ln w="6600">
+                  <a:solidFill>
+                    <a:schemeClr val="accent2"/>
+                  </a:solidFill>
+                  <a:prstDash val="solid"/>
+                </a:ln>
+                <a:solidFill>
+                  <a:srgbClr val="FFFFFF"/>
+                </a:solidFill>
+                <a:effectLst>
+                  <a:outerShdw dist="38100" dir="2700000" algn="tl" rotWithShape="0">
+                    <a:schemeClr val="accent2"/>
+                  </a:outerShdw>
+                </a:effectLst>
+              </a:rPr>
+              <a:t> Uno</a:t>
+            </a:r>
+          </a:p>
+          <a:p>
+            <a:pPr marL="571500" indent="-571500">
+              <a:buFont typeface="Arial" panose="020B0604020202020204" pitchFamily="34" charset="0"/>
+              <a:buChar char="•"/>
+            </a:pPr>
+            <a:r>
+              <a:rPr lang="pt-BR" sz="3600" b="1" cap="none" spc="0" dirty="0" smtClean="0">
+                <a:ln w="6600">
+                  <a:solidFill>
+                    <a:schemeClr val="accent2"/>
+                  </a:solidFill>
+                  <a:prstDash val="solid"/>
+                </a:ln>
+                <a:solidFill>
+                  <a:srgbClr val="FFFFFF"/>
+                </a:solidFill>
+                <a:effectLst>
+                  <a:outerShdw dist="38100" dir="2700000" algn="tl" rotWithShape="0">
+                    <a:schemeClr val="accent2"/>
+                  </a:outerShdw>
+                </a:effectLst>
+              </a:rPr>
+              <a:t>1x </a:t>
+            </a:r>
+            <a:r>
+              <a:rPr lang="pt-BR" sz="3600" b="1" cap="none" spc="0" dirty="0" err="1" smtClean="0">
+                <a:ln w="6600">
+                  <a:solidFill>
+                    <a:schemeClr val="accent2"/>
+                  </a:solidFill>
+                  <a:prstDash val="solid"/>
+                </a:ln>
+                <a:solidFill>
+                  <a:srgbClr val="FFFFFF"/>
+                </a:solidFill>
+                <a:effectLst>
+                  <a:outerShdw dist="38100" dir="2700000" algn="tl" rotWithShape="0">
+                    <a:schemeClr val="accent2"/>
+                  </a:outerShdw>
+                </a:effectLst>
+              </a:rPr>
+              <a:t>Shield</a:t>
+            </a:r>
+            <a:r>
+              <a:rPr lang="pt-BR" sz="3600" b="1" cap="none" spc="0" dirty="0" smtClean="0">
+                <a:ln w="6600">
+                  <a:solidFill>
+                    <a:schemeClr val="accent2"/>
+                  </a:solidFill>
+                  <a:prstDash val="solid"/>
+                </a:ln>
+                <a:solidFill>
+                  <a:srgbClr val="FFFFFF"/>
+                </a:solidFill>
+                <a:effectLst>
+                  <a:outerShdw dist="38100" dir="2700000" algn="tl" rotWithShape="0">
+                    <a:schemeClr val="accent2"/>
+                  </a:outerShdw>
+                </a:effectLst>
+              </a:rPr>
+              <a:t> Ethernet w5100</a:t>
+            </a:r>
+          </a:p>
+          <a:p>
+            <a:pPr marL="571500" indent="-571500">
+              <a:buFont typeface="Arial" panose="020B0604020202020204" pitchFamily="34" charset="0"/>
+              <a:buChar char="•"/>
+            </a:pPr>
+            <a:r>
+              <a:rPr lang="pt-BR" sz="3600" b="1" dirty="0" smtClean="0">
+                <a:ln w="6600">
+                  <a:solidFill>
+                    <a:schemeClr val="accent2"/>
+                  </a:solidFill>
+                  <a:prstDash val="solid"/>
+                </a:ln>
+                <a:solidFill>
+                  <a:srgbClr val="FFFFFF"/>
+                </a:solidFill>
+                <a:effectLst>
+                  <a:outerShdw dist="38100" dir="2700000" algn="tl" rotWithShape="0">
+                    <a:schemeClr val="accent2"/>
+                  </a:outerShdw>
+                </a:effectLst>
+              </a:rPr>
+              <a:t>9x Jumpers Macho </a:t>
+            </a:r>
+            <a:r>
+              <a:rPr lang="pt-BR" sz="3600" b="1" dirty="0" err="1" smtClean="0">
+                <a:ln w="6600">
+                  <a:solidFill>
+                    <a:schemeClr val="accent2"/>
+                  </a:solidFill>
+                  <a:prstDash val="solid"/>
+                </a:ln>
+                <a:solidFill>
+                  <a:srgbClr val="FFFFFF"/>
+                </a:solidFill>
+                <a:effectLst>
+                  <a:outerShdw dist="38100" dir="2700000" algn="tl" rotWithShape="0">
+                    <a:schemeClr val="accent2"/>
+                  </a:outerShdw>
+                </a:effectLst>
+              </a:rPr>
+              <a:t>Macho</a:t>
+            </a:r>
+            <a:endParaRPr lang="pt-BR" sz="3600" b="1" dirty="0" smtClean="0">
+              <a:ln w="6600">
+                <a:solidFill>
+                  <a:schemeClr val="accent2"/>
+                </a:solidFill>
+                <a:prstDash val="solid"/>
+              </a:ln>
+              <a:solidFill>
+                <a:srgbClr val="FFFFFF"/>
+              </a:solidFill>
+              <a:effectLst>
+                <a:outerShdw dist="38100" dir="2700000" algn="tl" rotWithShape="0">
+                  <a:schemeClr val="accent2"/>
+                </a:outerShdw>
+              </a:effectLst>
+            </a:endParaRPr>
+          </a:p>
+          <a:p>
+            <a:pPr marL="571500" indent="-571500">
+              <a:buFont typeface="Arial" panose="020B0604020202020204" pitchFamily="34" charset="0"/>
+              <a:buChar char="•"/>
+            </a:pPr>
+            <a:r>
+              <a:rPr lang="pt-BR" sz="3600" b="1" cap="none" spc="0" dirty="0" smtClean="0">
+                <a:ln w="6600">
+                  <a:solidFill>
+                    <a:schemeClr val="accent2"/>
+                  </a:solidFill>
+                  <a:prstDash val="solid"/>
+                </a:ln>
+                <a:solidFill>
+                  <a:srgbClr val="FFFFFF"/>
+                </a:solidFill>
+                <a:effectLst>
+                  <a:outerShdw dist="38100" dir="2700000" algn="tl" rotWithShape="0">
+                    <a:schemeClr val="accent2"/>
+                  </a:outerShdw>
+                </a:effectLst>
+              </a:rPr>
+              <a:t>9x Jumpers Macho Fêmea</a:t>
+            </a:r>
+          </a:p>
+          <a:p>
+            <a:pPr marL="571500" indent="-571500">
+              <a:buFont typeface="Arial" panose="020B0604020202020204" pitchFamily="34" charset="0"/>
+              <a:buChar char="•"/>
+            </a:pPr>
+            <a:r>
+              <a:rPr lang="pt-BR" sz="3600" b="1" dirty="0" smtClean="0">
+                <a:ln w="6600">
+                  <a:solidFill>
+                    <a:schemeClr val="accent2"/>
+                  </a:solidFill>
+                  <a:prstDash val="solid"/>
+                </a:ln>
+                <a:solidFill>
+                  <a:srgbClr val="FFFFFF"/>
+                </a:solidFill>
+                <a:effectLst>
+                  <a:outerShdw dist="38100" dir="2700000" algn="tl" rotWithShape="0">
+                    <a:schemeClr val="accent2"/>
+                  </a:outerShdw>
+                </a:effectLst>
+              </a:rPr>
+              <a:t>1x </a:t>
+            </a:r>
+            <a:r>
+              <a:rPr lang="pt-BR" sz="3600" b="1" dirty="0" err="1" smtClean="0">
+                <a:ln w="6600">
+                  <a:solidFill>
+                    <a:schemeClr val="accent2"/>
+                  </a:solidFill>
+                  <a:prstDash val="solid"/>
+                </a:ln>
+                <a:solidFill>
+                  <a:srgbClr val="FFFFFF"/>
+                </a:solidFill>
+                <a:effectLst>
+                  <a:outerShdw dist="38100" dir="2700000" algn="tl" rotWithShape="0">
+                    <a:schemeClr val="accent2"/>
+                  </a:outerShdw>
+                </a:effectLst>
+              </a:rPr>
+              <a:t>Protoboard</a:t>
+            </a:r>
+            <a:endParaRPr lang="pt-BR" sz="3600" b="1" dirty="0" smtClean="0">
+              <a:ln w="6600">
+                <a:solidFill>
+                  <a:schemeClr val="accent2"/>
+                </a:solidFill>
+                <a:prstDash val="solid"/>
+              </a:ln>
+              <a:solidFill>
+                <a:srgbClr val="FFFFFF"/>
+              </a:solidFill>
+              <a:effectLst>
+                <a:outerShdw dist="38100" dir="2700000" algn="tl" rotWithShape="0">
+                  <a:schemeClr val="accent2"/>
+                </a:outerShdw>
+              </a:effectLst>
+            </a:endParaRPr>
+          </a:p>
+          <a:p>
+            <a:pPr marL="571500" indent="-571500">
+              <a:buFont typeface="Arial" panose="020B0604020202020204" pitchFamily="34" charset="0"/>
+              <a:buChar char="•"/>
+            </a:pPr>
+            <a:r>
+              <a:rPr lang="pt-BR" sz="3600" b="1" dirty="0" smtClean="0">
+                <a:ln w="6600">
+                  <a:solidFill>
+                    <a:schemeClr val="accent2"/>
+                  </a:solidFill>
+                  <a:prstDash val="solid"/>
+                </a:ln>
+                <a:solidFill>
+                  <a:srgbClr val="FFFFFF"/>
+                </a:solidFill>
+                <a:effectLst>
+                  <a:outerShdw dist="38100" dir="2700000" algn="tl" rotWithShape="0">
+                    <a:schemeClr val="accent2"/>
+                  </a:outerShdw>
+                </a:effectLst>
+              </a:rPr>
+              <a:t>6x </a:t>
+            </a:r>
+            <a:r>
+              <a:rPr lang="pt-BR" sz="3600" b="1" dirty="0" err="1" smtClean="0">
+                <a:ln w="6600">
+                  <a:solidFill>
+                    <a:schemeClr val="accent2"/>
+                  </a:solidFill>
+                  <a:prstDash val="solid"/>
+                </a:ln>
+                <a:solidFill>
+                  <a:srgbClr val="FFFFFF"/>
+                </a:solidFill>
+                <a:effectLst>
+                  <a:outerShdw dist="38100" dir="2700000" algn="tl" rotWithShape="0">
+                    <a:schemeClr val="accent2"/>
+                  </a:outerShdw>
+                </a:effectLst>
+              </a:rPr>
+              <a:t>Leds</a:t>
+            </a:r>
+            <a:r>
+              <a:rPr lang="pt-BR" sz="3600" b="1" dirty="0" smtClean="0">
+                <a:ln w="6600">
+                  <a:solidFill>
+                    <a:schemeClr val="accent2"/>
+                  </a:solidFill>
+                  <a:prstDash val="solid"/>
+                </a:ln>
+                <a:solidFill>
+                  <a:srgbClr val="FFFFFF"/>
+                </a:solidFill>
+                <a:effectLst>
+                  <a:outerShdw dist="38100" dir="2700000" algn="tl" rotWithShape="0">
+                    <a:schemeClr val="accent2"/>
+                  </a:outerShdw>
+                </a:effectLst>
+              </a:rPr>
+              <a:t> 5mm</a:t>
+            </a:r>
+            <a:r>
+              <a:rPr lang="pt-BR" sz="3600" b="1" dirty="0" smtClean="0">
+                <a:ln w="6600">
+                  <a:solidFill>
+                    <a:schemeClr val="accent2"/>
+                  </a:solidFill>
+                  <a:prstDash val="solid"/>
+                </a:ln>
+                <a:solidFill>
+                  <a:srgbClr val="FFFFFF"/>
+                </a:solidFill>
+                <a:effectLst>
+                  <a:outerShdw dist="38100" dir="2700000" algn="tl" rotWithShape="0">
+                    <a:schemeClr val="accent2"/>
+                  </a:outerShdw>
+                </a:effectLst>
+              </a:rPr>
+              <a:t> </a:t>
+            </a:r>
+          </a:p>
+          <a:p>
+            <a:pPr marL="571500" indent="-571500">
+              <a:buFont typeface="Arial" panose="020B0604020202020204" pitchFamily="34" charset="0"/>
+              <a:buChar char="•"/>
+            </a:pPr>
+            <a:r>
+              <a:rPr lang="pt-BR" sz="3600" b="1" cap="none" spc="0" dirty="0" smtClean="0">
+                <a:ln w="6600">
+                  <a:solidFill>
+                    <a:schemeClr val="accent2"/>
+                  </a:solidFill>
+                  <a:prstDash val="solid"/>
+                </a:ln>
+                <a:solidFill>
+                  <a:srgbClr val="FFFFFF"/>
+                </a:solidFill>
+                <a:effectLst>
+                  <a:outerShdw dist="38100" dir="2700000" algn="tl" rotWithShape="0">
+                    <a:schemeClr val="accent2"/>
+                  </a:outerShdw>
+                </a:effectLst>
+              </a:rPr>
+              <a:t>1x Servo 9G</a:t>
+            </a:r>
+          </a:p>
+          <a:p>
+            <a:pPr marL="571500" indent="-571500">
+              <a:buFont typeface="Arial" panose="020B0604020202020204" pitchFamily="34" charset="0"/>
+              <a:buChar char="•"/>
+            </a:pPr>
+            <a:r>
+              <a:rPr lang="pt-BR" sz="3600" b="1" dirty="0" smtClean="0">
+                <a:ln w="6600">
+                  <a:solidFill>
+                    <a:schemeClr val="accent2"/>
+                  </a:solidFill>
+                  <a:prstDash val="solid"/>
+                </a:ln>
+                <a:solidFill>
+                  <a:srgbClr val="FFFFFF"/>
+                </a:solidFill>
+                <a:effectLst>
+                  <a:outerShdw dist="38100" dir="2700000" algn="tl" rotWithShape="0">
+                    <a:schemeClr val="accent2"/>
+                  </a:outerShdw>
+                </a:effectLst>
+              </a:rPr>
+              <a:t>3 Resistor 300 </a:t>
+            </a:r>
+            <a:r>
+              <a:rPr lang="el-GR" dirty="0" smtClean="0"/>
+              <a:t>Ω</a:t>
+            </a:r>
+          </a:p>
+          <a:p>
+            <a:pPr marL="571500" indent="-571500">
+              <a:buFont typeface="Arial" panose="020B0604020202020204" pitchFamily="34" charset="0"/>
+              <a:buChar char="•"/>
+            </a:pPr>
+            <a:endParaRPr lang="pt-BR" sz="3600" b="1" cap="none" spc="0" dirty="0">
+              <a:ln w="6600">
+                <a:solidFill>
+                  <a:schemeClr val="accent2"/>
+                </a:solidFill>
+                <a:prstDash val="solid"/>
+              </a:ln>
+              <a:solidFill>
+                <a:srgbClr val="FFFFFF"/>
+              </a:solidFill>
+              <a:effectLst>
+                <a:outerShdw dist="38100" dir="2700000" algn="tl" rotWithShape="0">
+                  <a:schemeClr val="accent2"/>
+                </a:outerShdw>
+              </a:effectLst>
+            </a:endParaRPr>
+          </a:p>
+          <a:p>
+            <a:pPr marL="685800" indent="-685800" algn="ctr">
+              <a:buFont typeface="Arial" panose="020B0604020202020204" pitchFamily="34" charset="0"/>
+              <a:buChar char="•"/>
+            </a:pPr>
+            <a:endParaRPr lang="pt-BR" sz="4400" b="1" dirty="0">
+              <a:ln w="6600">
+                <a:solidFill>
+                  <a:schemeClr val="accent2"/>
+                </a:solidFill>
+                <a:prstDash val="solid"/>
+              </a:ln>
+              <a:solidFill>
+                <a:srgbClr val="FFFFFF"/>
+              </a:solidFill>
+              <a:effectLst>
+                <a:outerShdw dist="38100" dir="2700000" algn="tl" rotWithShape="0">
+                  <a:schemeClr val="accent2"/>
+                </a:outerShdw>
+              </a:effectLst>
+            </a:endParaRPr>
+          </a:p>
+          <a:p>
+            <a:pPr marL="685800" indent="-685800" algn="ctr">
+              <a:buFont typeface="Arial" panose="020B0604020202020204" pitchFamily="34" charset="0"/>
+              <a:buChar char="•"/>
+            </a:pPr>
+            <a:endParaRPr lang="pt-BR" sz="5400" b="1" cap="none" spc="0" dirty="0">
+              <a:ln w="6600">
+                <a:solidFill>
+                  <a:schemeClr val="accent2"/>
+                </a:solidFill>
+                <a:prstDash val="solid"/>
+              </a:ln>
+              <a:solidFill>
+                <a:srgbClr val="FFFFFF"/>
+              </a:solidFill>
+              <a:effectLst>
+                <a:outerShdw dist="38100" dir="2700000" algn="tl" rotWithShape="0">
+                  <a:schemeClr val="accent2"/>
+                </a:outerShdw>
+              </a:effectLst>
+            </a:endParaRPr>
+          </a:p>
+        </p:txBody>
+      </p:sp>
+      <p:pic>
+        <p:nvPicPr>
+          <p:cNvPr id="6" name="Imagem 5">
+            <a:extLst>
+              <a:ext uri="{FF2B5EF4-FFF2-40B4-BE49-F238E27FC236}">
+                <a16:creationId xmlns:a16="http://schemas.microsoft.com/office/drawing/2014/main" id="{2C150B34-1468-4FF0-90E5-31520EE4E708}"/>
+              </a:ext>
+            </a:extLst>
+          </p:cNvPr>
+          <p:cNvPicPr>
+            <a:picLocks noChangeAspect="1"/>
+          </p:cNvPicPr>
+          <p:nvPr/>
+        </p:nvPicPr>
+        <p:blipFill>
+          <a:blip r:embed="rId3">
+            <a:extLst>
+              <a:ext uri="{28A0092B-C50C-407E-A947-70E740481C1C}">
+                <a14:useLocalDpi xmlns:a14="http://schemas.microsoft.com/office/drawing/2010/main" val="0"/>
+              </a:ext>
+            </a:extLst>
+          </a:blip>
+          <a:stretch>
+            <a:fillRect/>
+          </a:stretch>
+        </p:blipFill>
+        <p:spPr>
+          <a:xfrm>
+            <a:off x="-972616" y="-634429"/>
+            <a:ext cx="3425957" cy="2569468"/>
+          </a:xfrm>
+          <a:prstGeom prst="rect">
+            <a:avLst/>
+          </a:prstGeom>
+        </p:spPr>
+      </p:pic>
+    </p:spTree>
+    <p:extLst>
+      <p:ext uri="{BB962C8B-B14F-4D97-AF65-F5344CB8AC3E}">
+        <p14:creationId xmlns:p14="http://schemas.microsoft.com/office/powerpoint/2010/main" val="4093412687"/>
+      </p:ext>
+    </p:extLst>
+  </p:cSld>
+  <p:clrMapOvr>
+    <a:masterClrMapping/>
+  </p:clrMapOvr>
+  <mc:AlternateContent xmlns:mc="http://schemas.openxmlformats.org/markup-compatibility/2006" xmlns:p14="http://schemas.microsoft.com/office/powerpoint/2010/main">
+    <mc:Choice Requires="p14">
+      <p:transition spd="med" p14:dur="700">
+        <p:fade/>
+      </p:transition>
+    </mc:Choice>
+    <mc:Fallback xmlns="">
+      <p:transition spd="med">
+        <p:fade/>
+      </p:transition>
+    </mc:Fallback>
+  </mc:AlternateContent>
+</p:sld>
+</file>
+
+<file path=ppt/slides/slide11.xml><?xml version="1.0" encoding="utf-8"?>
+<p:sld xmlns:a="http://schemas.openxmlformats.org/drawingml/2006/main" xmlns:r="http://schemas.openxmlformats.org/officeDocument/2006/relationships" xmlns:p="http://schemas.openxmlformats.org/presentationml/2006/main">
+  <p:cSld>
+    <p:spTree>
+      <p:nvGrpSpPr>
+        <p:cNvPr id="1" name=""/>
+        <p:cNvGrpSpPr/>
+        <p:nvPr/>
+      </p:nvGrpSpPr>
+      <p:grpSpPr>
+        <a:xfrm>
+          <a:off x="0" y="0"/>
+          <a:ext cx="0" cy="0"/>
+          <a:chOff x="0" y="0"/>
+          <a:chExt cx="0" cy="0"/>
+        </a:xfrm>
+      </p:grpSpPr>
+      <p:pic>
+        <p:nvPicPr>
+          <p:cNvPr id="3" name="Imagem 2"/>
+          <p:cNvPicPr>
+            <a:picLocks noChangeAspect="1"/>
+          </p:cNvPicPr>
+          <p:nvPr/>
+        </p:nvPicPr>
+        <p:blipFill>
+          <a:blip r:embed="rId2"/>
+          <a:stretch>
+            <a:fillRect/>
+          </a:stretch>
+        </p:blipFill>
+        <p:spPr>
+          <a:xfrm>
+            <a:off x="0" y="6309320"/>
+            <a:ext cx="9042400" cy="444500"/>
+          </a:xfrm>
+          <a:prstGeom prst="rect">
+            <a:avLst/>
+          </a:prstGeom>
+        </p:spPr>
+      </p:pic>
+      <p:sp>
+        <p:nvSpPr>
+          <p:cNvPr id="2" name="Retângulo 1">
+            <a:extLst>
+              <a:ext uri="{FF2B5EF4-FFF2-40B4-BE49-F238E27FC236}">
+                <a16:creationId xmlns:a16="http://schemas.microsoft.com/office/drawing/2014/main" id="{D77F071C-103F-4F96-8E4A-D77547C4EF4C}"/>
+              </a:ext>
+            </a:extLst>
+          </p:cNvPr>
+          <p:cNvSpPr/>
+          <p:nvPr/>
+        </p:nvSpPr>
+        <p:spPr>
+          <a:xfrm>
+            <a:off x="1227253" y="188640"/>
+            <a:ext cx="6587894" cy="923330"/>
+          </a:xfrm>
+          <a:prstGeom prst="rect">
+            <a:avLst/>
+          </a:prstGeom>
+          <a:noFill/>
+        </p:spPr>
+        <p:txBody>
+          <a:bodyPr wrap="none" lIns="91440" tIns="45720" rIns="91440" bIns="45720">
+            <a:spAutoFit/>
+          </a:bodyPr>
+          <a:lstStyle/>
+          <a:p>
+            <a:pPr algn="ctr"/>
+            <a:r>
+              <a:rPr lang="pt-BR" sz="5400" b="1" u="sng" dirty="0" smtClean="0">
+                <a:ln w="22225">
+                  <a:solidFill>
+                    <a:schemeClr val="accent2"/>
+                  </a:solidFill>
+                  <a:prstDash val="solid"/>
+                </a:ln>
+                <a:solidFill>
+                  <a:schemeClr val="accent2">
+                    <a:lumMod val="40000"/>
+                    <a:lumOff val="60000"/>
+                  </a:schemeClr>
+                </a:solidFill>
+              </a:rPr>
+              <a:t>Resultado da Pesquisa</a:t>
+            </a:r>
+            <a:endParaRPr lang="pt-BR" sz="5400" b="1" u="sng" cap="none" spc="0" dirty="0">
+              <a:ln w="22225">
+                <a:solidFill>
+                  <a:schemeClr val="accent2"/>
+                </a:solidFill>
+                <a:prstDash val="solid"/>
+              </a:ln>
+              <a:solidFill>
+                <a:schemeClr val="accent2">
+                  <a:lumMod val="40000"/>
+                  <a:lumOff val="60000"/>
+                </a:schemeClr>
+              </a:solidFill>
+            </a:endParaRPr>
+          </a:p>
+        </p:txBody>
+      </p:sp>
+      <p:pic>
+        <p:nvPicPr>
+          <p:cNvPr id="6" name="Imagem 5">
+            <a:extLst>
+              <a:ext uri="{FF2B5EF4-FFF2-40B4-BE49-F238E27FC236}">
+                <a16:creationId xmlns:a16="http://schemas.microsoft.com/office/drawing/2014/main" id="{2C150B34-1468-4FF0-90E5-31520EE4E708}"/>
+              </a:ext>
+            </a:extLst>
+          </p:cNvPr>
+          <p:cNvPicPr>
+            <a:picLocks noChangeAspect="1"/>
+          </p:cNvPicPr>
+          <p:nvPr/>
+        </p:nvPicPr>
+        <p:blipFill>
+          <a:blip r:embed="rId3">
+            <a:extLst>
+              <a:ext uri="{28A0092B-C50C-407E-A947-70E740481C1C}">
+                <a14:useLocalDpi xmlns:a14="http://schemas.microsoft.com/office/drawing/2010/main" val="0"/>
+              </a:ext>
+            </a:extLst>
+          </a:blip>
+          <a:stretch>
+            <a:fillRect/>
+          </a:stretch>
+        </p:blipFill>
+        <p:spPr>
+          <a:xfrm>
+            <a:off x="-1044624" y="-634429"/>
+            <a:ext cx="3425957" cy="2569468"/>
+          </a:xfrm>
+          <a:prstGeom prst="rect">
+            <a:avLst/>
+          </a:prstGeom>
+        </p:spPr>
+      </p:pic>
+      <p:sp>
+        <p:nvSpPr>
+          <p:cNvPr id="5" name="Retângulo 4">
+            <a:extLst>
+              <a:ext uri="{FF2B5EF4-FFF2-40B4-BE49-F238E27FC236}">
+                <a16:creationId xmlns:a16="http://schemas.microsoft.com/office/drawing/2014/main" id="{837F4B3F-D2FE-4D53-86BF-18FA42ABAAF0}"/>
+              </a:ext>
+            </a:extLst>
+          </p:cNvPr>
+          <p:cNvSpPr/>
+          <p:nvPr/>
+        </p:nvSpPr>
+        <p:spPr>
+          <a:xfrm>
+            <a:off x="1044716" y="1111970"/>
+            <a:ext cx="8280920" cy="4647426"/>
+          </a:xfrm>
+          <a:prstGeom prst="rect">
+            <a:avLst/>
+          </a:prstGeom>
+          <a:noFill/>
+        </p:spPr>
+        <p:txBody>
+          <a:bodyPr wrap="square" lIns="91440" tIns="45720" rIns="91440" bIns="45720">
+            <a:spAutoFit/>
+          </a:bodyPr>
+          <a:lstStyle/>
+          <a:p>
+            <a:pPr marL="571500" indent="-571500">
+              <a:buFont typeface="Arial" panose="020B0604020202020204" pitchFamily="34" charset="0"/>
+              <a:buChar char="•"/>
+            </a:pPr>
+            <a:r>
+              <a:rPr lang="pt-BR" sz="3200" b="1" dirty="0" smtClean="0">
+                <a:ln w="6600">
+                  <a:solidFill>
+                    <a:schemeClr val="accent2"/>
+                  </a:solidFill>
+                  <a:prstDash val="solid"/>
+                </a:ln>
+                <a:solidFill>
+                  <a:srgbClr val="FFFFFF"/>
+                </a:solidFill>
+                <a:effectLst>
+                  <a:outerShdw dist="38100" dir="2700000" algn="tl" rotWithShape="0">
+                    <a:schemeClr val="accent2"/>
+                  </a:outerShdw>
+                </a:effectLst>
+              </a:rPr>
+              <a:t>2 Publicações na </a:t>
+            </a:r>
+            <a:r>
+              <a:rPr lang="pt-BR" sz="3200" b="1" dirty="0" err="1">
+                <a:ln w="6600">
+                  <a:solidFill>
+                    <a:schemeClr val="accent2"/>
+                  </a:solidFill>
+                  <a:prstDash val="solid"/>
+                </a:ln>
+                <a:solidFill>
+                  <a:srgbClr val="FFFFFF"/>
+                </a:solidFill>
+                <a:effectLst>
+                  <a:outerShdw dist="38100" dir="2700000" algn="tl" rotWithShape="0">
+                    <a:schemeClr val="accent2"/>
+                  </a:outerShdw>
+                </a:effectLst>
+              </a:rPr>
+              <a:t>e</a:t>
+            </a:r>
+            <a:r>
+              <a:rPr lang="pt-BR" sz="3200" b="1" dirty="0" err="1" smtClean="0">
+                <a:ln w="6600">
+                  <a:solidFill>
+                    <a:schemeClr val="accent2"/>
+                  </a:solidFill>
+                  <a:prstDash val="solid"/>
+                </a:ln>
+                <a:solidFill>
+                  <a:srgbClr val="FFFFFF"/>
+                </a:solidFill>
+                <a:effectLst>
+                  <a:outerShdw dist="38100" dir="2700000" algn="tl" rotWithShape="0">
+                    <a:schemeClr val="accent2"/>
+                  </a:outerShdw>
+                </a:effectLst>
+              </a:rPr>
+              <a:t>-F@tec</a:t>
+            </a:r>
+            <a:endParaRPr lang="pt-BR" sz="3200" b="1" cap="none" spc="0" dirty="0">
+              <a:ln w="6600">
+                <a:solidFill>
+                  <a:schemeClr val="accent2"/>
+                </a:solidFill>
+                <a:prstDash val="solid"/>
+              </a:ln>
+              <a:solidFill>
+                <a:srgbClr val="FFFFFF"/>
+              </a:solidFill>
+              <a:effectLst>
+                <a:outerShdw dist="38100" dir="2700000" algn="tl" rotWithShape="0">
+                  <a:schemeClr val="accent2"/>
+                </a:outerShdw>
+              </a:effectLst>
+            </a:endParaRPr>
+          </a:p>
+          <a:p>
+            <a:pPr marL="571500" indent="-571500">
+              <a:buFont typeface="Arial" panose="020B0604020202020204" pitchFamily="34" charset="0"/>
+              <a:buChar char="•"/>
+            </a:pPr>
+            <a:r>
+              <a:rPr lang="pt-BR" sz="3200" b="1" dirty="0" smtClean="0">
+                <a:ln w="6600">
+                  <a:solidFill>
+                    <a:schemeClr val="accent2"/>
+                  </a:solidFill>
+                  <a:prstDash val="solid"/>
+                </a:ln>
+                <a:solidFill>
+                  <a:srgbClr val="FFFFFF"/>
+                </a:solidFill>
+                <a:effectLst>
+                  <a:outerShdw dist="38100" dir="2700000" algn="tl" rotWithShape="0">
+                    <a:schemeClr val="accent2"/>
+                  </a:outerShdw>
+                </a:effectLst>
+              </a:rPr>
+              <a:t>1 Publicação na FIB Bauru</a:t>
+            </a:r>
+            <a:endParaRPr lang="pt-BR" sz="3200" b="1" dirty="0">
+              <a:ln w="6600">
+                <a:solidFill>
+                  <a:schemeClr val="accent2"/>
+                </a:solidFill>
+                <a:prstDash val="solid"/>
+              </a:ln>
+              <a:solidFill>
+                <a:srgbClr val="FFFFFF"/>
+              </a:solidFill>
+              <a:effectLst>
+                <a:outerShdw dist="38100" dir="2700000" algn="tl" rotWithShape="0">
+                  <a:schemeClr val="accent2"/>
+                </a:outerShdw>
+              </a:effectLst>
+            </a:endParaRPr>
+          </a:p>
+          <a:p>
+            <a:pPr marL="571500" indent="-571500">
+              <a:buFont typeface="Arial" panose="020B0604020202020204" pitchFamily="34" charset="0"/>
+              <a:buChar char="•"/>
+            </a:pPr>
+            <a:r>
+              <a:rPr lang="pt-BR" sz="3200" b="1" cap="none" spc="0" dirty="0" smtClean="0">
+                <a:ln w="6600">
+                  <a:solidFill>
+                    <a:schemeClr val="accent2"/>
+                  </a:solidFill>
+                  <a:prstDash val="solid"/>
+                </a:ln>
+                <a:solidFill>
+                  <a:srgbClr val="FFFFFF"/>
+                </a:solidFill>
+                <a:effectLst>
+                  <a:outerShdw dist="38100" dir="2700000" algn="tl" rotWithShape="0">
+                    <a:schemeClr val="accent2"/>
+                  </a:outerShdw>
+                </a:effectLst>
+              </a:rPr>
+              <a:t>1 Apresentação na FIB Bauru</a:t>
+            </a:r>
+          </a:p>
+          <a:p>
+            <a:pPr marL="571500" indent="-571500">
+              <a:buFont typeface="Arial" panose="020B0604020202020204" pitchFamily="34" charset="0"/>
+              <a:buChar char="•"/>
+            </a:pPr>
+            <a:r>
+              <a:rPr lang="pt-BR" sz="3200" b="1" dirty="0" smtClean="0">
+                <a:ln w="6600">
+                  <a:solidFill>
+                    <a:schemeClr val="accent2"/>
+                  </a:solidFill>
+                  <a:prstDash val="solid"/>
+                </a:ln>
+                <a:solidFill>
+                  <a:srgbClr val="FFFFFF"/>
+                </a:solidFill>
+                <a:effectLst>
+                  <a:outerShdw dist="38100" dir="2700000" algn="tl" rotWithShape="0">
+                    <a:schemeClr val="accent2"/>
+                  </a:outerShdw>
+                </a:effectLst>
+              </a:rPr>
+              <a:t>1 Apresentação na </a:t>
+            </a:r>
+            <a:r>
+              <a:rPr lang="pt-BR" sz="3200" b="1" dirty="0" err="1" smtClean="0">
+                <a:ln w="6600">
+                  <a:solidFill>
+                    <a:schemeClr val="accent2"/>
+                  </a:solidFill>
+                  <a:prstDash val="solid"/>
+                </a:ln>
+                <a:solidFill>
+                  <a:srgbClr val="FFFFFF"/>
+                </a:solidFill>
+                <a:effectLst>
+                  <a:outerShdw dist="38100" dir="2700000" algn="tl" rotWithShape="0">
+                    <a:schemeClr val="accent2"/>
+                  </a:outerShdw>
+                </a:effectLst>
+              </a:rPr>
+              <a:t>Univem</a:t>
+            </a:r>
+            <a:endParaRPr lang="pt-BR" sz="3200" b="1" cap="none" spc="0" dirty="0">
+              <a:ln w="6600">
+                <a:solidFill>
+                  <a:schemeClr val="accent2"/>
+                </a:solidFill>
+                <a:prstDash val="solid"/>
+              </a:ln>
+              <a:solidFill>
+                <a:srgbClr val="FFFFFF"/>
+              </a:solidFill>
+              <a:effectLst>
+                <a:outerShdw dist="38100" dir="2700000" algn="tl" rotWithShape="0">
+                  <a:schemeClr val="accent2"/>
+                </a:outerShdw>
+              </a:effectLst>
+            </a:endParaRPr>
+          </a:p>
+          <a:p>
+            <a:pPr marL="571500" indent="-571500">
+              <a:buFont typeface="Arial" panose="020B0604020202020204" pitchFamily="34" charset="0"/>
+              <a:buChar char="•"/>
+            </a:pPr>
+            <a:r>
+              <a:rPr lang="pt-BR" sz="3200" b="1" dirty="0" smtClean="0">
+                <a:ln w="6600">
+                  <a:solidFill>
+                    <a:schemeClr val="accent2"/>
+                  </a:solidFill>
+                  <a:prstDash val="solid"/>
+                </a:ln>
+                <a:solidFill>
+                  <a:srgbClr val="FFFFFF"/>
+                </a:solidFill>
+                <a:effectLst>
+                  <a:outerShdw dist="38100" dir="2700000" algn="tl" rotWithShape="0">
+                    <a:schemeClr val="accent2"/>
+                  </a:outerShdw>
+                </a:effectLst>
+              </a:rPr>
+              <a:t>12º Melhor trabalho no Congresso Nacional de Iniciação Científica</a:t>
+            </a:r>
+          </a:p>
+          <a:p>
+            <a:endParaRPr lang="pt-BR" sz="3200" b="1" cap="none" spc="0" dirty="0">
+              <a:ln w="6600">
+                <a:solidFill>
+                  <a:schemeClr val="accent2"/>
+                </a:solidFill>
+                <a:prstDash val="solid"/>
+              </a:ln>
+              <a:solidFill>
+                <a:srgbClr val="FFFFFF"/>
+              </a:solidFill>
+              <a:effectLst>
+                <a:outerShdw dist="38100" dir="2700000" algn="tl" rotWithShape="0">
+                  <a:schemeClr val="accent2"/>
+                </a:outerShdw>
+              </a:effectLst>
+            </a:endParaRPr>
+          </a:p>
+          <a:p>
+            <a:pPr marL="685800" indent="-685800" algn="ctr">
+              <a:buFont typeface="Arial" panose="020B0604020202020204" pitchFamily="34" charset="0"/>
+              <a:buChar char="•"/>
+            </a:pPr>
+            <a:endParaRPr lang="pt-BR" sz="3200" b="1" dirty="0">
+              <a:ln w="6600">
+                <a:solidFill>
+                  <a:schemeClr val="accent2"/>
+                </a:solidFill>
+                <a:prstDash val="solid"/>
+              </a:ln>
+              <a:solidFill>
+                <a:srgbClr val="FFFFFF"/>
+              </a:solidFill>
+              <a:effectLst>
+                <a:outerShdw dist="38100" dir="2700000" algn="tl" rotWithShape="0">
+                  <a:schemeClr val="accent2"/>
+                </a:outerShdw>
+              </a:effectLst>
+            </a:endParaRPr>
+          </a:p>
+          <a:p>
+            <a:pPr marL="685800" indent="-685800" algn="ctr">
+              <a:buFont typeface="Arial" panose="020B0604020202020204" pitchFamily="34" charset="0"/>
+              <a:buChar char="•"/>
+            </a:pPr>
+            <a:endParaRPr lang="pt-BR" sz="4000" b="1" cap="none" spc="0" dirty="0">
+              <a:ln w="6600">
+                <a:solidFill>
+                  <a:schemeClr val="accent2"/>
+                </a:solidFill>
+                <a:prstDash val="solid"/>
+              </a:ln>
+              <a:solidFill>
+                <a:srgbClr val="FFFFFF"/>
+              </a:solidFill>
+              <a:effectLst>
+                <a:outerShdw dist="38100" dir="2700000" algn="tl" rotWithShape="0">
+                  <a:schemeClr val="accent2"/>
+                </a:outerShdw>
+              </a:effectLst>
+            </a:endParaRPr>
+          </a:p>
+        </p:txBody>
+      </p:sp>
+    </p:spTree>
+    <p:extLst>
+      <p:ext uri="{BB962C8B-B14F-4D97-AF65-F5344CB8AC3E}">
+        <p14:creationId xmlns:p14="http://schemas.microsoft.com/office/powerpoint/2010/main" val="2348936924"/>
+      </p:ext>
+    </p:extLst>
+  </p:cSld>
+  <p:clrMapOvr>
+    <a:masterClrMapping/>
+  </p:clrMapOvr>
+  <mc:AlternateContent xmlns:mc="http://schemas.openxmlformats.org/markup-compatibility/2006" xmlns:p14="http://schemas.microsoft.com/office/powerpoint/2010/main">
+    <mc:Choice Requires="p14">
+      <p:transition spd="med" p14:dur="700">
+        <p:fade/>
+      </p:transition>
+    </mc:Choice>
+    <mc:Fallback xmlns="">
+      <p:transition spd="med">
+        <p:fade/>
+      </p:transition>
+    </mc:Fallback>
+  </mc:AlternateContent>
+</p:sld>
+</file>
+
+<file path=ppt/slides/slide12.xml><?xml version="1.0" encoding="utf-8"?>
+<p:sld xmlns:a="http://schemas.openxmlformats.org/drawingml/2006/main" xmlns:r="http://schemas.openxmlformats.org/officeDocument/2006/relationships" xmlns:p="http://schemas.openxmlformats.org/presentationml/2006/main">
+  <p:cSld>
+    <p:spTree>
+      <p:nvGrpSpPr>
+        <p:cNvPr id="1" name=""/>
+        <p:cNvGrpSpPr/>
+        <p:nvPr/>
+      </p:nvGrpSpPr>
+      <p:grpSpPr>
+        <a:xfrm>
+          <a:off x="0" y="0"/>
+          <a:ext cx="0" cy="0"/>
+          <a:chOff x="0" y="0"/>
+          <a:chExt cx="0" cy="0"/>
+        </a:xfrm>
+      </p:grpSpPr>
+      <p:pic>
+        <p:nvPicPr>
+          <p:cNvPr id="3" name="Imagem 2"/>
+          <p:cNvPicPr>
+            <a:picLocks noChangeAspect="1"/>
+          </p:cNvPicPr>
+          <p:nvPr/>
+        </p:nvPicPr>
+        <p:blipFill>
+          <a:blip r:embed="rId2"/>
+          <a:stretch>
+            <a:fillRect/>
+          </a:stretch>
+        </p:blipFill>
+        <p:spPr>
+          <a:xfrm>
+            <a:off x="0" y="6309320"/>
+            <a:ext cx="9042400" cy="444500"/>
+          </a:xfrm>
+          <a:prstGeom prst="rect">
+            <a:avLst/>
+          </a:prstGeom>
+        </p:spPr>
+      </p:pic>
+      <p:sp>
+        <p:nvSpPr>
+          <p:cNvPr id="2" name="Retângulo 1">
+            <a:extLst>
+              <a:ext uri="{FF2B5EF4-FFF2-40B4-BE49-F238E27FC236}">
+                <a16:creationId xmlns:a16="http://schemas.microsoft.com/office/drawing/2014/main" id="{D77F071C-103F-4F96-8E4A-D77547C4EF4C}"/>
+              </a:ext>
+            </a:extLst>
+          </p:cNvPr>
+          <p:cNvSpPr/>
+          <p:nvPr/>
+        </p:nvSpPr>
+        <p:spPr>
+          <a:xfrm>
+            <a:off x="785003" y="3036830"/>
+            <a:ext cx="7718010" cy="923330"/>
+          </a:xfrm>
+          <a:prstGeom prst="rect">
+            <a:avLst/>
+          </a:prstGeom>
+          <a:noFill/>
+        </p:spPr>
+        <p:txBody>
+          <a:bodyPr wrap="none" lIns="91440" tIns="45720" rIns="91440" bIns="45720">
+            <a:spAutoFit/>
+          </a:bodyPr>
+          <a:lstStyle/>
+          <a:p>
+            <a:pPr algn="ctr"/>
+            <a:r>
+              <a:rPr lang="pt-BR" sz="5400" b="1" u="sng" dirty="0" smtClean="0">
+                <a:ln w="22225">
+                  <a:solidFill>
+                    <a:schemeClr val="accent2"/>
+                  </a:solidFill>
+                  <a:prstDash val="solid"/>
+                </a:ln>
+                <a:solidFill>
+                  <a:schemeClr val="accent2">
+                    <a:lumMod val="40000"/>
+                    <a:lumOff val="60000"/>
+                  </a:schemeClr>
+                </a:solidFill>
+              </a:rPr>
+              <a:t>Exemplificação do sistema</a:t>
+            </a:r>
+            <a:endParaRPr lang="pt-BR" sz="5400" b="1" u="sng" cap="none" spc="0" dirty="0">
+              <a:ln w="22225">
+                <a:solidFill>
+                  <a:schemeClr val="accent2"/>
+                </a:solidFill>
+                <a:prstDash val="solid"/>
+              </a:ln>
+              <a:solidFill>
+                <a:schemeClr val="accent2">
+                  <a:lumMod val="40000"/>
+                  <a:lumOff val="60000"/>
+                </a:schemeClr>
+              </a:solidFill>
+            </a:endParaRPr>
+          </a:p>
+        </p:txBody>
+      </p:sp>
+      <p:pic>
+        <p:nvPicPr>
+          <p:cNvPr id="6" name="Imagem 5">
+            <a:extLst>
+              <a:ext uri="{FF2B5EF4-FFF2-40B4-BE49-F238E27FC236}">
+                <a16:creationId xmlns:a16="http://schemas.microsoft.com/office/drawing/2014/main" id="{2C150B34-1468-4FF0-90E5-31520EE4E708}"/>
+              </a:ext>
+            </a:extLst>
+          </p:cNvPr>
+          <p:cNvPicPr>
+            <a:picLocks noChangeAspect="1"/>
+          </p:cNvPicPr>
+          <p:nvPr/>
+        </p:nvPicPr>
+        <p:blipFill>
+          <a:blip r:embed="rId3">
+            <a:extLst>
+              <a:ext uri="{28A0092B-C50C-407E-A947-70E740481C1C}">
+                <a14:useLocalDpi xmlns:a14="http://schemas.microsoft.com/office/drawing/2010/main" val="0"/>
+              </a:ext>
+            </a:extLst>
+          </a:blip>
+          <a:stretch>
+            <a:fillRect/>
+          </a:stretch>
+        </p:blipFill>
+        <p:spPr>
+          <a:xfrm>
+            <a:off x="1763688" y="-201885"/>
+            <a:ext cx="5760640" cy="4320480"/>
+          </a:xfrm>
+          <a:prstGeom prst="rect">
+            <a:avLst/>
+          </a:prstGeom>
+        </p:spPr>
+      </p:pic>
+      <p:sp>
+        <p:nvSpPr>
+          <p:cNvPr id="5" name="Retângulo 4">
+            <a:extLst>
+              <a:ext uri="{FF2B5EF4-FFF2-40B4-BE49-F238E27FC236}">
+                <a16:creationId xmlns:a16="http://schemas.microsoft.com/office/drawing/2014/main" id="{837F4B3F-D2FE-4D53-86BF-18FA42ABAAF0}"/>
+              </a:ext>
+            </a:extLst>
+          </p:cNvPr>
+          <p:cNvSpPr/>
+          <p:nvPr/>
+        </p:nvSpPr>
+        <p:spPr>
+          <a:xfrm>
+            <a:off x="1044716" y="1111970"/>
+            <a:ext cx="8280920" cy="1692771"/>
+          </a:xfrm>
+          <a:prstGeom prst="rect">
+            <a:avLst/>
+          </a:prstGeom>
+          <a:noFill/>
+        </p:spPr>
+        <p:txBody>
+          <a:bodyPr wrap="square" lIns="91440" tIns="45720" rIns="91440" bIns="45720">
+            <a:spAutoFit/>
+          </a:bodyPr>
+          <a:lstStyle/>
+          <a:p>
+            <a:endParaRPr lang="pt-BR" sz="3200" b="1" cap="none" spc="0" dirty="0">
+              <a:ln w="6600">
+                <a:solidFill>
+                  <a:schemeClr val="accent2"/>
+                </a:solidFill>
+                <a:prstDash val="solid"/>
+              </a:ln>
+              <a:solidFill>
+                <a:srgbClr val="FFFFFF"/>
+              </a:solidFill>
+              <a:effectLst>
+                <a:outerShdw dist="38100" dir="2700000" algn="tl" rotWithShape="0">
+                  <a:schemeClr val="accent2"/>
+                </a:outerShdw>
+              </a:effectLst>
+            </a:endParaRPr>
+          </a:p>
+          <a:p>
+            <a:pPr marL="685800" indent="-685800" algn="ctr">
+              <a:buFont typeface="Arial" panose="020B0604020202020204" pitchFamily="34" charset="0"/>
+              <a:buChar char="•"/>
+            </a:pPr>
+            <a:endParaRPr lang="pt-BR" sz="3200" b="1" dirty="0">
+              <a:ln w="6600">
+                <a:solidFill>
+                  <a:schemeClr val="accent2"/>
+                </a:solidFill>
+                <a:prstDash val="solid"/>
+              </a:ln>
+              <a:solidFill>
+                <a:srgbClr val="FFFFFF"/>
+              </a:solidFill>
+              <a:effectLst>
+                <a:outerShdw dist="38100" dir="2700000" algn="tl" rotWithShape="0">
+                  <a:schemeClr val="accent2"/>
+                </a:outerShdw>
+              </a:effectLst>
+            </a:endParaRPr>
+          </a:p>
+          <a:p>
+            <a:pPr marL="685800" indent="-685800" algn="ctr">
+              <a:buFont typeface="Arial" panose="020B0604020202020204" pitchFamily="34" charset="0"/>
+              <a:buChar char="•"/>
+            </a:pPr>
+            <a:endParaRPr lang="pt-BR" sz="4000" b="1" cap="none" spc="0" dirty="0">
+              <a:ln w="6600">
+                <a:solidFill>
+                  <a:schemeClr val="accent2"/>
+                </a:solidFill>
+                <a:prstDash val="solid"/>
+              </a:ln>
+              <a:solidFill>
+                <a:srgbClr val="FFFFFF"/>
+              </a:solidFill>
+              <a:effectLst>
+                <a:outerShdw dist="38100" dir="2700000" algn="tl" rotWithShape="0">
+                  <a:schemeClr val="accent2"/>
+                </a:outerShdw>
+              </a:effectLst>
+            </a:endParaRPr>
+          </a:p>
+        </p:txBody>
+      </p:sp>
+    </p:spTree>
+    <p:extLst>
+      <p:ext uri="{BB962C8B-B14F-4D97-AF65-F5344CB8AC3E}">
+        <p14:creationId xmlns:p14="http://schemas.microsoft.com/office/powerpoint/2010/main" val="2628105189"/>
+      </p:ext>
+    </p:extLst>
+  </p:cSld>
+  <p:clrMapOvr>
+    <a:masterClrMapping/>
+  </p:clrMapOvr>
+  <mc:AlternateContent xmlns:mc="http://schemas.openxmlformats.org/markup-compatibility/2006" xmlns:p14="http://schemas.microsoft.com/office/powerpoint/2010/main">
+    <mc:Choice Requires="p14">
+      <p:transition spd="med" p14:dur="700">
+        <p:fade/>
+      </p:transition>
+    </mc:Choice>
+    <mc:Fallback xmlns="">
+      <p:transition spd="med">
+        <p:fade/>
+      </p:transition>
+    </mc:Fallback>
+  </mc:AlternateContent>
+</p:sld>
+</file>
+
+<file path=ppt/slides/slide13.xml><?xml version="1.0" encoding="utf-8"?>
+<p:sld xmlns:a="http://schemas.openxmlformats.org/drawingml/2006/main" xmlns:r="http://schemas.openxmlformats.org/officeDocument/2006/relationships" xmlns:p="http://schemas.openxmlformats.org/presentationml/2006/main">
+  <p:cSld>
+    <p:spTree>
+      <p:nvGrpSpPr>
+        <p:cNvPr id="1" name=""/>
+        <p:cNvGrpSpPr/>
+        <p:nvPr/>
+      </p:nvGrpSpPr>
+      <p:grpSpPr>
+        <a:xfrm>
+          <a:off x="0" y="0"/>
+          <a:ext cx="0" cy="0"/>
+          <a:chOff x="0" y="0"/>
+          <a:chExt cx="0" cy="0"/>
+        </a:xfrm>
+      </p:grpSpPr>
+      <p:pic>
+        <p:nvPicPr>
+          <p:cNvPr id="3" name="Imagem 2"/>
+          <p:cNvPicPr>
+            <a:picLocks noChangeAspect="1"/>
+          </p:cNvPicPr>
+          <p:nvPr/>
+        </p:nvPicPr>
+        <p:blipFill>
+          <a:blip r:embed="rId2"/>
+          <a:stretch>
+            <a:fillRect/>
+          </a:stretch>
+        </p:blipFill>
+        <p:spPr>
+          <a:xfrm>
+            <a:off x="0" y="6309320"/>
+            <a:ext cx="9042400" cy="444500"/>
+          </a:xfrm>
+          <a:prstGeom prst="rect">
+            <a:avLst/>
+          </a:prstGeom>
+        </p:spPr>
+      </p:pic>
+      <p:sp>
+        <p:nvSpPr>
+          <p:cNvPr id="2" name="Retângulo 1">
+            <a:extLst>
+              <a:ext uri="{FF2B5EF4-FFF2-40B4-BE49-F238E27FC236}">
+                <a16:creationId xmlns:a16="http://schemas.microsoft.com/office/drawing/2014/main" id="{D77F071C-103F-4F96-8E4A-D77547C4EF4C}"/>
+              </a:ext>
+            </a:extLst>
+          </p:cNvPr>
+          <p:cNvSpPr/>
+          <p:nvPr/>
+        </p:nvSpPr>
+        <p:spPr>
+          <a:xfrm>
             <a:off x="1467746" y="3645024"/>
             <a:ext cx="6106907" cy="1569660"/>
           </a:xfrm>
@@ -2372,7 +3784,7 @@
         </p:blipFill>
         <p:spPr>
           <a:xfrm>
-            <a:off x="711200" y="-315416"/>
+            <a:off x="711199" y="-315416"/>
             <a:ext cx="7620000" cy="5715000"/>
           </a:xfrm>
           <a:prstGeom prst="rect">
@@ -2509,7 +3921,7 @@
         </p:nvSpPr>
         <p:spPr>
           <a:xfrm>
-            <a:off x="1619672" y="1484784"/>
+            <a:off x="1619672" y="1268760"/>
             <a:ext cx="7992023" cy="3631763"/>
           </a:xfrm>
           <a:prstGeom prst="rect">
@@ -2808,7 +4220,7 @@
         </p:nvSpPr>
         <p:spPr>
           <a:xfrm>
-            <a:off x="1907704" y="1412776"/>
+            <a:off x="1525925" y="1111970"/>
             <a:ext cx="7992023" cy="3631763"/>
           </a:xfrm>
           <a:prstGeom prst="rect">
@@ -3008,8 +4420,8 @@
         </p:nvSpPr>
         <p:spPr>
           <a:xfrm>
-            <a:off x="1593989" y="188640"/>
-            <a:ext cx="2288704" cy="923330"/>
+            <a:off x="1259632" y="278696"/>
+            <a:ext cx="5304722" cy="923330"/>
           </a:xfrm>
           <a:prstGeom prst="rect">
             <a:avLst/>
@@ -3024,7 +4436,7 @@
           <a:p>
             <a:pPr algn="ctr"/>
             <a:r>
-              <a:rPr lang="pt-BR" sz="5400" b="1" u="sng" cap="none" spc="0" dirty="0">
+              <a:rPr lang="pt-BR" sz="5400" b="1" u="sng" cap="none" spc="0" dirty="0" smtClean="0">
                 <a:ln w="22225">
                   <a:solidFill>
                     <a:schemeClr val="accent2"/>
@@ -3038,105 +4450,21 @@
                   </a:schemeClr>
                 </a:solidFill>
               </a:rPr>
-              <a:t>Projeto</a:t>
+              <a:t>Principal Objetivo</a:t>
             </a:r>
-          </a:p>
-        </p:txBody>
-      </p:sp>
-      <p:sp>
-        <p:nvSpPr>
-          <p:cNvPr id="4" name="Retângulo 3">
-            <a:extLst>
-              <a:ext uri="{FF2B5EF4-FFF2-40B4-BE49-F238E27FC236}">
-                <a16:creationId xmlns:a16="http://schemas.microsoft.com/office/drawing/2014/main" id="{837F4B3F-D2FE-4D53-86BF-18FA42ABAAF0}"/>
-              </a:ext>
-            </a:extLst>
-          </p:cNvPr>
-          <p:cNvSpPr/>
-          <p:nvPr/>
-        </p:nvSpPr>
-        <p:spPr>
-          <a:xfrm>
-            <a:off x="1763688" y="1092564"/>
-            <a:ext cx="7992023" cy="4062651"/>
-          </a:xfrm>
-          <a:prstGeom prst="rect">
-            <a:avLst/>
-          </a:prstGeom>
-          <a:noFill/>
-        </p:spPr>
-        <p:txBody>
-          <a:bodyPr wrap="square" lIns="91440" tIns="45720" rIns="91440" bIns="45720">
-            <a:spAutoFit/>
-          </a:bodyPr>
-          <a:lstStyle/>
-          <a:p>
-            <a:pPr marL="571500" indent="-571500">
-              <a:buFont typeface="Arial" panose="020B0604020202020204" pitchFamily="34" charset="0"/>
-              <a:buChar char="•"/>
-            </a:pPr>
-            <a:r>
-              <a:rPr lang="pt-BR" sz="4000" b="1" cap="none" spc="0" dirty="0">
-                <a:ln w="6600">
-                  <a:solidFill>
-                    <a:schemeClr val="accent2"/>
-                  </a:solidFill>
-                  <a:prstDash val="solid"/>
-                </a:ln>
-                <a:solidFill>
-                  <a:srgbClr val="FFFFFF"/>
-                </a:solidFill>
-                <a:effectLst>
-                  <a:outerShdw dist="38100" dir="2700000" algn="tl" rotWithShape="0">
-                    <a:schemeClr val="accent2"/>
-                  </a:outerShdw>
-                </a:effectLst>
-              </a:rPr>
-              <a:t>Aplicativo Híbrido com comunicação via IOT com placa embarcada para automação de um estacionamento</a:t>
-            </a:r>
-          </a:p>
-          <a:p>
-            <a:pPr marL="685800" indent="-685800" algn="ctr">
-              <a:buFont typeface="Arial" panose="020B0604020202020204" pitchFamily="34" charset="0"/>
-              <a:buChar char="•"/>
-            </a:pPr>
-            <a:endParaRPr lang="pt-BR" sz="4400" b="1" dirty="0">
-              <a:ln w="6600">
+            <a:endParaRPr lang="pt-BR" sz="5400" b="1" u="sng" cap="none" spc="0" dirty="0">
+              <a:ln w="22225">
                 <a:solidFill>
                   <a:schemeClr val="accent2"/>
                 </a:solidFill>
                 <a:prstDash val="solid"/>
               </a:ln>
               <a:solidFill>
-                <a:srgbClr val="FFFFFF"/>
+                <a:schemeClr val="accent2">
+                  <a:lumMod val="40000"/>
+                  <a:lumOff val="60000"/>
+                </a:schemeClr>
               </a:solidFill>
-              <a:effectLst>
-                <a:outerShdw dist="38100" dir="2700000" algn="tl" rotWithShape="0">
-                  <a:schemeClr val="accent2"/>
-                </a:outerShdw>
-              </a:effectLst>
-            </a:endParaRPr>
-          </a:p>
-          <a:p>
-            <a:pPr marL="685800" indent="-685800" algn="ctr">
-              <a:buFont typeface="Arial" panose="020B0604020202020204" pitchFamily="34" charset="0"/>
-              <a:buChar char="•"/>
-            </a:pPr>
-            <a:endParaRPr lang="pt-BR" sz="5400" b="1" cap="none" spc="0" dirty="0">
-              <a:ln w="6600">
-                <a:solidFill>
-                  <a:schemeClr val="accent2"/>
-                </a:solidFill>
-                <a:prstDash val="solid"/>
-              </a:ln>
-              <a:solidFill>
-                <a:srgbClr val="FFFFFF"/>
-              </a:solidFill>
-              <a:effectLst>
-                <a:outerShdw dist="38100" dir="2700000" algn="tl" rotWithShape="0">
-                  <a:schemeClr val="accent2"/>
-                </a:outerShdw>
-              </a:effectLst>
             </a:endParaRPr>
           </a:p>
         </p:txBody>
@@ -3169,7 +4497,7 @@
         </p:blipFill>
         <p:spPr>
           <a:xfrm>
-            <a:off x="-972616" y="-634429"/>
+            <a:off x="-972616" y="-544373"/>
             <a:ext cx="3425957" cy="2569468"/>
           </a:xfrm>
           <a:prstGeom prst="rect">
@@ -3177,10 +4505,117 @@
           </a:prstGeom>
         </p:spPr>
       </p:pic>
+      <p:sp>
+        <p:nvSpPr>
+          <p:cNvPr id="4" name="Retângulo 3"/>
+          <p:cNvSpPr/>
+          <p:nvPr/>
+        </p:nvSpPr>
+        <p:spPr>
+          <a:xfrm>
+            <a:off x="1121520" y="1340768"/>
+            <a:ext cx="7920880" cy="2585323"/>
+          </a:xfrm>
+          <a:prstGeom prst="rect">
+            <a:avLst/>
+          </a:prstGeom>
+        </p:spPr>
+        <p:txBody>
+          <a:bodyPr wrap="square">
+            <a:spAutoFit/>
+          </a:bodyPr>
+          <a:lstStyle/>
+          <a:p>
+            <a:pPr marL="571500" indent="-571500">
+              <a:buFont typeface="Arial" panose="020B0604020202020204" pitchFamily="34" charset="0"/>
+              <a:buChar char="•"/>
+            </a:pPr>
+            <a:r>
+              <a:rPr lang="pt-BR" sz="4000" b="1" dirty="0" smtClean="0">
+                <a:ln w="6600">
+                  <a:solidFill>
+                    <a:schemeClr val="accent2"/>
+                  </a:solidFill>
+                  <a:prstDash val="solid"/>
+                </a:ln>
+                <a:solidFill>
+                  <a:srgbClr val="FFFFFF"/>
+                </a:solidFill>
+                <a:effectLst>
+                  <a:outerShdw dist="38100" dir="2700000" algn="tl" rotWithShape="0">
+                    <a:schemeClr val="accent2"/>
+                  </a:outerShdw>
+                </a:effectLst>
+              </a:rPr>
+              <a:t>Entender, estudar e implementar a comunicação de aplicações com placas embarcadas.</a:t>
+            </a:r>
+            <a:endParaRPr lang="pt-BR" sz="4000" b="1" dirty="0">
+              <a:ln w="6600">
+                <a:solidFill>
+                  <a:schemeClr val="accent2"/>
+                </a:solidFill>
+                <a:prstDash val="solid"/>
+              </a:ln>
+              <a:solidFill>
+                <a:srgbClr val="FFFFFF"/>
+              </a:solidFill>
+              <a:effectLst>
+                <a:outerShdw dist="38100" dir="2700000" algn="tl" rotWithShape="0">
+                  <a:schemeClr val="accent2"/>
+                </a:outerShdw>
+              </a:effectLst>
+            </a:endParaRPr>
+          </a:p>
+          <a:p>
+            <a:pPr marL="685800" indent="-685800" algn="ctr">
+              <a:buFont typeface="Arial" panose="020B0604020202020204" pitchFamily="34" charset="0"/>
+              <a:buChar char="•"/>
+            </a:pPr>
+            <a:endParaRPr lang="pt-BR" b="1" dirty="0">
+              <a:ln w="6600">
+                <a:solidFill>
+                  <a:schemeClr val="accent2"/>
+                </a:solidFill>
+                <a:prstDash val="solid"/>
+              </a:ln>
+              <a:solidFill>
+                <a:srgbClr val="FFFFFF"/>
+              </a:solidFill>
+              <a:effectLst>
+                <a:outerShdw dist="38100" dir="2700000" algn="tl" rotWithShape="0">
+                  <a:schemeClr val="accent2"/>
+                </a:outerShdw>
+              </a:effectLst>
+            </a:endParaRPr>
+          </a:p>
+          <a:p>
+            <a:pPr marL="685800" indent="-685800" algn="ctr">
+              <a:buFont typeface="Arial" panose="020B0604020202020204" pitchFamily="34" charset="0"/>
+              <a:buChar char="•"/>
+            </a:pPr>
+            <a:endParaRPr lang="pt-BR" sz="2400" b="1" dirty="0">
+              <a:ln w="6600">
+                <a:solidFill>
+                  <a:schemeClr val="accent2"/>
+                </a:solidFill>
+                <a:prstDash val="solid"/>
+              </a:ln>
+              <a:solidFill>
+                <a:srgbClr val="FFFFFF"/>
+              </a:solidFill>
+              <a:effectLst>
+                <a:outerShdw dist="38100" dir="2700000" algn="tl" rotWithShape="0">
+                  <a:schemeClr val="accent2"/>
+                </a:outerShdw>
+              </a:effectLst>
+            </a:endParaRPr>
+          </a:p>
+        </p:txBody>
+      </p:sp>
     </p:spTree>
     <p:extLst>
       <p:ext uri="{BB962C8B-B14F-4D97-AF65-F5344CB8AC3E}">
-        <p14:creationId xmlns:p14="http://schemas.microsoft.com/office/powerpoint/2010/main" val="4225009131"/>
+        <p14:creationId xmlns:p14="http://schemas.microsoft.com/office/powerpoint/2010/main" val="3719844048"/>
       </p:ext>
     </p:extLst>
   </p:cSld>
@@ -3257,8 +4692,8 @@
         </p:nvSpPr>
         <p:spPr>
           <a:xfrm>
-            <a:off x="1289225" y="188640"/>
-            <a:ext cx="6463949" cy="923330"/>
+            <a:off x="1593989" y="188640"/>
+            <a:ext cx="2288704" cy="923330"/>
           </a:xfrm>
           <a:prstGeom prst="rect">
             <a:avLst/>
@@ -3287,7 +4722,7 @@
                   </a:schemeClr>
                 </a:solidFill>
               </a:rPr>
-              <a:t>Tecnologias Utilizadas</a:t>
+              <a:t>Projeto</a:t>
             </a:r>
           </a:p>
         </p:txBody>
@@ -3306,8 +4741,8 @@
         </p:nvSpPr>
         <p:spPr>
           <a:xfrm>
-            <a:off x="1907704" y="1412776"/>
-            <a:ext cx="7992023" cy="5663089"/>
+            <a:off x="1624821" y="1111970"/>
+            <a:ext cx="7992023" cy="4062651"/>
           </a:xfrm>
           <a:prstGeom prst="rect">
             <a:avLst/>
@@ -3325,7 +4760,7 @@
               <a:buChar char="•"/>
             </a:pPr>
             <a:r>
-              <a:rPr lang="pt-BR" sz="4400" b="1" cap="none" spc="0" dirty="0" err="1">
+              <a:rPr lang="pt-BR" sz="4000" b="1" cap="none" spc="0" dirty="0">
                 <a:ln w="6600">
                   <a:solidFill>
                     <a:schemeClr val="accent2"/>
@@ -3341,238 +4776,8 @@
                   </a:outerShdw>
                 </a:effectLst>
               </a:rPr>
-              <a:t>Ionic</a:t>
+              <a:t>Aplicativo Híbrido com comunicação via IOT com placa embarcada para automação de um estacionamento</a:t>
             </a:r>
-            <a:r>
-              <a:rPr lang="pt-BR" sz="4400" b="1" cap="none" spc="0" dirty="0">
-                <a:ln w="6600">
-                  <a:solidFill>
-                    <a:schemeClr val="accent2"/>
-                  </a:solidFill>
-                  <a:prstDash val="solid"/>
-                </a:ln>
-                <a:solidFill>
-                  <a:srgbClr val="FFFFFF"/>
-                </a:solidFill>
-                <a:effectLst>
-                  <a:outerShdw dist="38100" dir="2700000" algn="tl" rotWithShape="0">
-                    <a:schemeClr val="accent2"/>
-                  </a:outerShdw>
-                </a:effectLst>
-              </a:rPr>
-              <a:t> + </a:t>
-            </a:r>
-            <a:r>
-              <a:rPr lang="pt-BR" sz="4400" b="1" cap="none" spc="0" dirty="0" err="1">
-                <a:ln w="6600">
-                  <a:solidFill>
-                    <a:schemeClr val="accent2"/>
-                  </a:solidFill>
-                  <a:prstDash val="solid"/>
-                </a:ln>
-                <a:solidFill>
-                  <a:srgbClr val="FFFFFF"/>
-                </a:solidFill>
-                <a:effectLst>
-                  <a:outerShdw dist="38100" dir="2700000" algn="tl" rotWithShape="0">
-                    <a:schemeClr val="accent2"/>
-                  </a:outerShdw>
-                </a:effectLst>
-              </a:rPr>
-              <a:t>AngularJS</a:t>
-            </a:r>
-            <a:endParaRPr lang="pt-BR" sz="4400" b="1" cap="none" spc="0" dirty="0">
-              <a:ln w="6600">
-                <a:solidFill>
-                  <a:schemeClr val="accent2"/>
-                </a:solidFill>
-                <a:prstDash val="solid"/>
-              </a:ln>
-              <a:solidFill>
-                <a:srgbClr val="FFFFFF"/>
-              </a:solidFill>
-              <a:effectLst>
-                <a:outerShdw dist="38100" dir="2700000" algn="tl" rotWithShape="0">
-                  <a:schemeClr val="accent2"/>
-                </a:outerShdw>
-              </a:effectLst>
-            </a:endParaRPr>
-          </a:p>
-          <a:p>
-            <a:pPr marL="571500" indent="-571500">
-              <a:buFont typeface="Arial" panose="020B0604020202020204" pitchFamily="34" charset="0"/>
-              <a:buChar char="•"/>
-            </a:pPr>
-            <a:r>
-              <a:rPr lang="pt-BR" sz="4400" b="1" dirty="0">
-                <a:ln w="6600">
-                  <a:solidFill>
-                    <a:schemeClr val="accent2"/>
-                  </a:solidFill>
-                  <a:prstDash val="solid"/>
-                </a:ln>
-                <a:solidFill>
-                  <a:srgbClr val="FFFFFF"/>
-                </a:solidFill>
-                <a:effectLst>
-                  <a:outerShdw dist="38100" dir="2700000" algn="tl" rotWithShape="0">
-                    <a:schemeClr val="accent2"/>
-                  </a:outerShdw>
-                </a:effectLst>
-              </a:rPr>
-              <a:t>Arduino + Componentes</a:t>
-            </a:r>
-          </a:p>
-          <a:p>
-            <a:pPr marL="571500" indent="-571500">
-              <a:buFont typeface="Arial" panose="020B0604020202020204" pitchFamily="34" charset="0"/>
-              <a:buChar char="•"/>
-            </a:pPr>
-            <a:r>
-              <a:rPr lang="pt-BR" sz="4400" b="1" cap="none" spc="0" dirty="0" err="1">
-                <a:ln w="6600">
-                  <a:solidFill>
-                    <a:schemeClr val="accent2"/>
-                  </a:solidFill>
-                  <a:prstDash val="solid"/>
-                </a:ln>
-                <a:solidFill>
-                  <a:srgbClr val="FFFFFF"/>
-                </a:solidFill>
-                <a:effectLst>
-                  <a:outerShdw dist="38100" dir="2700000" algn="tl" rotWithShape="0">
-                    <a:schemeClr val="accent2"/>
-                  </a:outerShdw>
-                </a:effectLst>
-              </a:rPr>
-              <a:t>Tesseract</a:t>
-            </a:r>
-            <a:r>
-              <a:rPr lang="pt-BR" sz="4400" b="1" cap="none" spc="0" dirty="0">
-                <a:ln w="6600">
-                  <a:solidFill>
-                    <a:schemeClr val="accent2"/>
-                  </a:solidFill>
-                  <a:prstDash val="solid"/>
-                </a:ln>
-                <a:solidFill>
-                  <a:srgbClr val="FFFFFF"/>
-                </a:solidFill>
-                <a:effectLst>
-                  <a:outerShdw dist="38100" dir="2700000" algn="tl" rotWithShape="0">
-                    <a:schemeClr val="accent2"/>
-                  </a:outerShdw>
-                </a:effectLst>
-              </a:rPr>
-              <a:t> OCR</a:t>
-            </a:r>
-          </a:p>
-          <a:p>
-            <a:pPr marL="571500" indent="-571500">
-              <a:buFont typeface="Arial" panose="020B0604020202020204" pitchFamily="34" charset="0"/>
-              <a:buChar char="•"/>
-            </a:pPr>
-            <a:r>
-              <a:rPr lang="pt-BR" sz="4400" b="1" dirty="0">
-                <a:ln w="6600">
-                  <a:solidFill>
-                    <a:schemeClr val="accent2"/>
-                  </a:solidFill>
-                  <a:prstDash val="solid"/>
-                </a:ln>
-                <a:solidFill>
-                  <a:srgbClr val="FFFFFF"/>
-                </a:solidFill>
-                <a:effectLst>
-                  <a:outerShdw dist="38100" dir="2700000" algn="tl" rotWithShape="0">
-                    <a:schemeClr val="accent2"/>
-                  </a:outerShdw>
-                </a:effectLst>
-              </a:rPr>
-              <a:t>PHP</a:t>
-            </a:r>
-          </a:p>
-          <a:p>
-            <a:pPr marL="571500" indent="-571500">
-              <a:buFont typeface="Arial" panose="020B0604020202020204" pitchFamily="34" charset="0"/>
-              <a:buChar char="•"/>
-            </a:pPr>
-            <a:r>
-              <a:rPr lang="pt-BR" sz="4400" b="1" cap="none" spc="0" dirty="0" err="1">
-                <a:ln w="6600">
-                  <a:solidFill>
-                    <a:schemeClr val="accent2"/>
-                  </a:solidFill>
-                  <a:prstDash val="solid"/>
-                </a:ln>
-                <a:solidFill>
-                  <a:srgbClr val="FFFFFF"/>
-                </a:solidFill>
-                <a:effectLst>
-                  <a:outerShdw dist="38100" dir="2700000" algn="tl" rotWithShape="0">
-                    <a:schemeClr val="accent2"/>
-                  </a:outerShdw>
-                </a:effectLst>
-              </a:rPr>
-              <a:t>MySql</a:t>
-            </a:r>
-            <a:endParaRPr lang="pt-BR" sz="4400" b="1" cap="none" spc="0" dirty="0">
-              <a:ln w="6600">
-                <a:solidFill>
-                  <a:schemeClr val="accent2"/>
-                </a:solidFill>
-                <a:prstDash val="solid"/>
-              </a:ln>
-              <a:solidFill>
-                <a:srgbClr val="FFFFFF"/>
-              </a:solidFill>
-              <a:effectLst>
-                <a:outerShdw dist="38100" dir="2700000" algn="tl" rotWithShape="0">
-                  <a:schemeClr val="accent2"/>
-                </a:outerShdw>
-              </a:effectLst>
-            </a:endParaRPr>
-          </a:p>
-          <a:p>
-            <a:pPr marL="571500" indent="-571500">
-              <a:buFont typeface="Arial" panose="020B0604020202020204" pitchFamily="34" charset="0"/>
-              <a:buChar char="•"/>
-            </a:pPr>
-            <a:r>
-              <a:rPr lang="pt-BR" sz="4400" b="1" dirty="0">
-                <a:ln w="6600">
-                  <a:solidFill>
-                    <a:schemeClr val="accent2"/>
-                  </a:solidFill>
-                  <a:prstDash val="solid"/>
-                </a:ln>
-                <a:solidFill>
-                  <a:srgbClr val="FFFFFF"/>
-                </a:solidFill>
-                <a:effectLst>
-                  <a:outerShdw dist="38100" dir="2700000" algn="tl" rotWithShape="0">
-                    <a:schemeClr val="accent2"/>
-                  </a:outerShdw>
-                </a:effectLst>
-              </a:rPr>
-              <a:t>JSON</a:t>
-            </a:r>
-            <a:endParaRPr lang="pt-BR" sz="4400" b="1" cap="none" spc="0" dirty="0">
-              <a:ln w="6600">
-                <a:solidFill>
-                  <a:schemeClr val="accent2"/>
-                </a:solidFill>
-                <a:prstDash val="solid"/>
-              </a:ln>
-              <a:solidFill>
-                <a:srgbClr val="FFFFFF"/>
-              </a:solidFill>
-              <a:effectLst>
-                <a:outerShdw dist="38100" dir="2700000" algn="tl" rotWithShape="0">
-                  <a:schemeClr val="accent2"/>
-                </a:outerShdw>
-              </a:effectLst>
-            </a:endParaRPr>
           </a:p>
           <a:p>
             <a:pPr marL="685800" indent="-685800" algn="ctr">
@@ -3659,7 +4864,7 @@
     </p:spTree>
     <p:extLst>
       <p:ext uri="{BB962C8B-B14F-4D97-AF65-F5344CB8AC3E}">
-        <p14:creationId xmlns:p14="http://schemas.microsoft.com/office/powerpoint/2010/main" val="2422531689"/>
+        <p14:creationId xmlns:p14="http://schemas.microsoft.com/office/powerpoint/2010/main" val="4225009131"/>
       </p:ext>
     </p:extLst>
   </p:cSld>
@@ -3736,8 +4941,8 @@
         </p:nvSpPr>
         <p:spPr>
           <a:xfrm>
-            <a:off x="1478036" y="188640"/>
-            <a:ext cx="3132332" cy="923330"/>
+            <a:off x="1289225" y="188640"/>
+            <a:ext cx="6463949" cy="923330"/>
           </a:xfrm>
           <a:prstGeom prst="rect">
             <a:avLst/>
@@ -3766,7 +4971,7 @@
                   </a:schemeClr>
                 </a:solidFill>
               </a:rPr>
-              <a:t>Benefícios</a:t>
+              <a:t>Tecnologias Utilizadas</a:t>
             </a:r>
           </a:p>
         </p:txBody>
@@ -3785,7 +4990,486 @@
         </p:nvSpPr>
         <p:spPr>
           <a:xfrm>
-            <a:off x="1907704" y="1412776"/>
+            <a:off x="1403648" y="1092186"/>
+            <a:ext cx="7992023" cy="5663089"/>
+          </a:xfrm>
+          <a:prstGeom prst="rect">
+            <a:avLst/>
+          </a:prstGeom>
+          <a:noFill/>
+        </p:spPr>
+        <p:txBody>
+          <a:bodyPr wrap="square" lIns="91440" tIns="45720" rIns="91440" bIns="45720">
+            <a:spAutoFit/>
+          </a:bodyPr>
+          <a:lstStyle/>
+          <a:p>
+            <a:pPr marL="571500" indent="-571500">
+              <a:buFont typeface="Arial" panose="020B0604020202020204" pitchFamily="34" charset="0"/>
+              <a:buChar char="•"/>
+            </a:pPr>
+            <a:r>
+              <a:rPr lang="pt-BR" sz="4400" b="1" cap="none" spc="0" dirty="0" err="1">
+                <a:ln w="6600">
+                  <a:solidFill>
+                    <a:schemeClr val="accent2"/>
+                  </a:solidFill>
+                  <a:prstDash val="solid"/>
+                </a:ln>
+                <a:solidFill>
+                  <a:srgbClr val="FFFFFF"/>
+                </a:solidFill>
+                <a:effectLst>
+                  <a:outerShdw dist="38100" dir="2700000" algn="tl" rotWithShape="0">
+                    <a:schemeClr val="accent2"/>
+                  </a:outerShdw>
+                </a:effectLst>
+              </a:rPr>
+              <a:t>Ionic</a:t>
+            </a:r>
+            <a:r>
+              <a:rPr lang="pt-BR" sz="4400" b="1" cap="none" spc="0" dirty="0">
+                <a:ln w="6600">
+                  <a:solidFill>
+                    <a:schemeClr val="accent2"/>
+                  </a:solidFill>
+                  <a:prstDash val="solid"/>
+                </a:ln>
+                <a:solidFill>
+                  <a:srgbClr val="FFFFFF"/>
+                </a:solidFill>
+                <a:effectLst>
+                  <a:outerShdw dist="38100" dir="2700000" algn="tl" rotWithShape="0">
+                    <a:schemeClr val="accent2"/>
+                  </a:outerShdw>
+                </a:effectLst>
+              </a:rPr>
+              <a:t> + </a:t>
+            </a:r>
+            <a:r>
+              <a:rPr lang="pt-BR" sz="4400" b="1" cap="none" spc="0" dirty="0" err="1">
+                <a:ln w="6600">
+                  <a:solidFill>
+                    <a:schemeClr val="accent2"/>
+                  </a:solidFill>
+                  <a:prstDash val="solid"/>
+                </a:ln>
+                <a:solidFill>
+                  <a:srgbClr val="FFFFFF"/>
+                </a:solidFill>
+                <a:effectLst>
+                  <a:outerShdw dist="38100" dir="2700000" algn="tl" rotWithShape="0">
+                    <a:schemeClr val="accent2"/>
+                  </a:outerShdw>
+                </a:effectLst>
+              </a:rPr>
+              <a:t>AngularJS</a:t>
+            </a:r>
+            <a:endParaRPr lang="pt-BR" sz="4400" b="1" cap="none" spc="0" dirty="0">
+              <a:ln w="6600">
+                <a:solidFill>
+                  <a:schemeClr val="accent2"/>
+                </a:solidFill>
+                <a:prstDash val="solid"/>
+              </a:ln>
+              <a:solidFill>
+                <a:srgbClr val="FFFFFF"/>
+              </a:solidFill>
+              <a:effectLst>
+                <a:outerShdw dist="38100" dir="2700000" algn="tl" rotWithShape="0">
+                  <a:schemeClr val="accent2"/>
+                </a:outerShdw>
+              </a:effectLst>
+            </a:endParaRPr>
+          </a:p>
+          <a:p>
+            <a:pPr marL="571500" indent="-571500">
+              <a:buFont typeface="Arial" panose="020B0604020202020204" pitchFamily="34" charset="0"/>
+              <a:buChar char="•"/>
+            </a:pPr>
+            <a:r>
+              <a:rPr lang="pt-BR" sz="4400" b="1" dirty="0">
+                <a:ln w="6600">
+                  <a:solidFill>
+                    <a:schemeClr val="accent2"/>
+                  </a:solidFill>
+                  <a:prstDash val="solid"/>
+                </a:ln>
+                <a:solidFill>
+                  <a:srgbClr val="FFFFFF"/>
+                </a:solidFill>
+                <a:effectLst>
+                  <a:outerShdw dist="38100" dir="2700000" algn="tl" rotWithShape="0">
+                    <a:schemeClr val="accent2"/>
+                  </a:outerShdw>
+                </a:effectLst>
+              </a:rPr>
+              <a:t>Arduino + Componentes</a:t>
+            </a:r>
+          </a:p>
+          <a:p>
+            <a:pPr marL="571500" indent="-571500">
+              <a:buFont typeface="Arial" panose="020B0604020202020204" pitchFamily="34" charset="0"/>
+              <a:buChar char="•"/>
+            </a:pPr>
+            <a:r>
+              <a:rPr lang="pt-BR" sz="4400" b="1" cap="none" spc="0" dirty="0" err="1">
+                <a:ln w="6600">
+                  <a:solidFill>
+                    <a:schemeClr val="accent2"/>
+                  </a:solidFill>
+                  <a:prstDash val="solid"/>
+                </a:ln>
+                <a:solidFill>
+                  <a:srgbClr val="FFFFFF"/>
+                </a:solidFill>
+                <a:effectLst>
+                  <a:outerShdw dist="38100" dir="2700000" algn="tl" rotWithShape="0">
+                    <a:schemeClr val="accent2"/>
+                  </a:outerShdw>
+                </a:effectLst>
+              </a:rPr>
+              <a:t>Tesseract</a:t>
+            </a:r>
+            <a:r>
+              <a:rPr lang="pt-BR" sz="4400" b="1" cap="none" spc="0" dirty="0">
+                <a:ln w="6600">
+                  <a:solidFill>
+                    <a:schemeClr val="accent2"/>
+                  </a:solidFill>
+                  <a:prstDash val="solid"/>
+                </a:ln>
+                <a:solidFill>
+                  <a:srgbClr val="FFFFFF"/>
+                </a:solidFill>
+                <a:effectLst>
+                  <a:outerShdw dist="38100" dir="2700000" algn="tl" rotWithShape="0">
+                    <a:schemeClr val="accent2"/>
+                  </a:outerShdw>
+                </a:effectLst>
+              </a:rPr>
+              <a:t> OCR</a:t>
+            </a:r>
+          </a:p>
+          <a:p>
+            <a:pPr marL="571500" indent="-571500">
+              <a:buFont typeface="Arial" panose="020B0604020202020204" pitchFamily="34" charset="0"/>
+              <a:buChar char="•"/>
+            </a:pPr>
+            <a:r>
+              <a:rPr lang="pt-BR" sz="4400" b="1" dirty="0">
+                <a:ln w="6600">
+                  <a:solidFill>
+                    <a:schemeClr val="accent2"/>
+                  </a:solidFill>
+                  <a:prstDash val="solid"/>
+                </a:ln>
+                <a:solidFill>
+                  <a:srgbClr val="FFFFFF"/>
+                </a:solidFill>
+                <a:effectLst>
+                  <a:outerShdw dist="38100" dir="2700000" algn="tl" rotWithShape="0">
+                    <a:schemeClr val="accent2"/>
+                  </a:outerShdw>
+                </a:effectLst>
+              </a:rPr>
+              <a:t>PHP</a:t>
+            </a:r>
+          </a:p>
+          <a:p>
+            <a:pPr marL="571500" indent="-571500">
+              <a:buFont typeface="Arial" panose="020B0604020202020204" pitchFamily="34" charset="0"/>
+              <a:buChar char="•"/>
+            </a:pPr>
+            <a:r>
+              <a:rPr lang="pt-BR" sz="4400" b="1" cap="none" spc="0" dirty="0" err="1">
+                <a:ln w="6600">
+                  <a:solidFill>
+                    <a:schemeClr val="accent2"/>
+                  </a:solidFill>
+                  <a:prstDash val="solid"/>
+                </a:ln>
+                <a:solidFill>
+                  <a:srgbClr val="FFFFFF"/>
+                </a:solidFill>
+                <a:effectLst>
+                  <a:outerShdw dist="38100" dir="2700000" algn="tl" rotWithShape="0">
+                    <a:schemeClr val="accent2"/>
+                  </a:outerShdw>
+                </a:effectLst>
+              </a:rPr>
+              <a:t>MySql</a:t>
+            </a:r>
+            <a:endParaRPr lang="pt-BR" sz="4400" b="1" cap="none" spc="0" dirty="0">
+              <a:ln w="6600">
+                <a:solidFill>
+                  <a:schemeClr val="accent2"/>
+                </a:solidFill>
+                <a:prstDash val="solid"/>
+              </a:ln>
+              <a:solidFill>
+                <a:srgbClr val="FFFFFF"/>
+              </a:solidFill>
+              <a:effectLst>
+                <a:outerShdw dist="38100" dir="2700000" algn="tl" rotWithShape="0">
+                  <a:schemeClr val="accent2"/>
+                </a:outerShdw>
+              </a:effectLst>
+            </a:endParaRPr>
+          </a:p>
+          <a:p>
+            <a:pPr marL="571500" indent="-571500">
+              <a:buFont typeface="Arial" panose="020B0604020202020204" pitchFamily="34" charset="0"/>
+              <a:buChar char="•"/>
+            </a:pPr>
+            <a:r>
+              <a:rPr lang="pt-BR" sz="4400" b="1" dirty="0">
+                <a:ln w="6600">
+                  <a:solidFill>
+                    <a:schemeClr val="accent2"/>
+                  </a:solidFill>
+                  <a:prstDash val="solid"/>
+                </a:ln>
+                <a:solidFill>
+                  <a:srgbClr val="FFFFFF"/>
+                </a:solidFill>
+                <a:effectLst>
+                  <a:outerShdw dist="38100" dir="2700000" algn="tl" rotWithShape="0">
+                    <a:schemeClr val="accent2"/>
+                  </a:outerShdw>
+                </a:effectLst>
+              </a:rPr>
+              <a:t>JSON</a:t>
+            </a:r>
+            <a:endParaRPr lang="pt-BR" sz="4400" b="1" cap="none" spc="0" dirty="0">
+              <a:ln w="6600">
+                <a:solidFill>
+                  <a:schemeClr val="accent2"/>
+                </a:solidFill>
+                <a:prstDash val="solid"/>
+              </a:ln>
+              <a:solidFill>
+                <a:srgbClr val="FFFFFF"/>
+              </a:solidFill>
+              <a:effectLst>
+                <a:outerShdw dist="38100" dir="2700000" algn="tl" rotWithShape="0">
+                  <a:schemeClr val="accent2"/>
+                </a:outerShdw>
+              </a:effectLst>
+            </a:endParaRPr>
+          </a:p>
+          <a:p>
+            <a:pPr marL="685800" indent="-685800" algn="ctr">
+              <a:buFont typeface="Arial" panose="020B0604020202020204" pitchFamily="34" charset="0"/>
+              <a:buChar char="•"/>
+            </a:pPr>
+            <a:endParaRPr lang="pt-BR" sz="4400" b="1" dirty="0">
+              <a:ln w="6600">
+                <a:solidFill>
+                  <a:schemeClr val="accent2"/>
+                </a:solidFill>
+                <a:prstDash val="solid"/>
+              </a:ln>
+              <a:solidFill>
+                <a:srgbClr val="FFFFFF"/>
+              </a:solidFill>
+              <a:effectLst>
+                <a:outerShdw dist="38100" dir="2700000" algn="tl" rotWithShape="0">
+                  <a:schemeClr val="accent2"/>
+                </a:outerShdw>
+              </a:effectLst>
+            </a:endParaRPr>
+          </a:p>
+          <a:p>
+            <a:pPr marL="685800" indent="-685800" algn="ctr">
+              <a:buFont typeface="Arial" panose="020B0604020202020204" pitchFamily="34" charset="0"/>
+              <a:buChar char="•"/>
+            </a:pPr>
+            <a:endParaRPr lang="pt-BR" sz="5400" b="1" cap="none" spc="0" dirty="0">
+              <a:ln w="6600">
+                <a:solidFill>
+                  <a:schemeClr val="accent2"/>
+                </a:solidFill>
+                <a:prstDash val="solid"/>
+              </a:ln>
+              <a:solidFill>
+                <a:srgbClr val="FFFFFF"/>
+              </a:solidFill>
+              <a:effectLst>
+                <a:outerShdw dist="38100" dir="2700000" algn="tl" rotWithShape="0">
+                  <a:schemeClr val="accent2"/>
+                </a:outerShdw>
+              </a:effectLst>
+            </a:endParaRPr>
+          </a:p>
+        </p:txBody>
+      </p:sp>
+      <p:pic>
+        <p:nvPicPr>
+          <p:cNvPr id="6" name="Imagem 5">
+            <a:extLst>
+              <a:ext uri="{FF2B5EF4-FFF2-40B4-BE49-F238E27FC236}">
+                <a16:creationId xmlns:a16="http://schemas.microsoft.com/office/drawing/2014/main" id="{2C150B34-1468-4FF0-90E5-31520EE4E708}"/>
+              </a:ext>
+            </a:extLst>
+          </p:cNvPr>
+          <p:cNvPicPr>
+            <a:picLocks noChangeAspect="1"/>
+          </p:cNvPicPr>
+          <p:nvPr/>
+        </p:nvPicPr>
+        <p:blipFill>
+          <a:blip r:embed="rId3">
+            <a:extLst>
+              <a:ext uri="{28A0092B-C50C-407E-A947-70E740481C1C}">
+                <a14:useLocalDpi xmlns:a14="http://schemas.microsoft.com/office/drawing/2010/main" val="0"/>
+              </a:ext>
+            </a:extLst>
+          </a:blip>
+          <a:stretch>
+            <a:fillRect/>
+          </a:stretch>
+        </p:blipFill>
+        <p:spPr>
+          <a:xfrm>
+            <a:off x="-972616" y="-634429"/>
+            <a:ext cx="3425957" cy="2569468"/>
+          </a:xfrm>
+          <a:prstGeom prst="rect">
+            <a:avLst/>
+          </a:prstGeom>
+        </p:spPr>
+      </p:pic>
+    </p:spTree>
+    <p:extLst>
+      <p:ext uri="{BB962C8B-B14F-4D97-AF65-F5344CB8AC3E}">
+        <p14:creationId xmlns:p14="http://schemas.microsoft.com/office/powerpoint/2010/main" val="2422531689"/>
+      </p:ext>
+    </p:extLst>
+  </p:cSld>
+  <p:clrMapOvr>
+    <a:masterClrMapping/>
+  </p:clrMapOvr>
+  <mc:AlternateContent xmlns:mc="http://schemas.openxmlformats.org/markup-compatibility/2006" xmlns:p14="http://schemas.microsoft.com/office/powerpoint/2010/main">
+    <mc:Choice Requires="p14">
+      <p:transition spd="med" p14:dur="700">
+        <p:fade/>
+      </p:transition>
+    </mc:Choice>
+    <mc:Fallback xmlns="">
+      <p:transition spd="med">
+        <p:fade/>
+      </p:transition>
+    </mc:Fallback>
+  </mc:AlternateContent>
+</p:sld>
+</file>
+
+<file path=ppt/slides/slide7.xml><?xml version="1.0" encoding="utf-8"?>
+<p:sld xmlns:a="http://schemas.openxmlformats.org/drawingml/2006/main" xmlns:r="http://schemas.openxmlformats.org/officeDocument/2006/relationships" xmlns:p="http://schemas.openxmlformats.org/presentationml/2006/main">
+  <p:cSld>
+    <p:spTree>
+      <p:nvGrpSpPr>
+        <p:cNvPr id="1" name=""/>
+        <p:cNvGrpSpPr/>
+        <p:nvPr/>
+      </p:nvGrpSpPr>
+      <p:grpSpPr>
+        <a:xfrm>
+          <a:off x="0" y="0"/>
+          <a:ext cx="0" cy="0"/>
+          <a:chOff x="0" y="0"/>
+          <a:chExt cx="0" cy="0"/>
+        </a:xfrm>
+      </p:grpSpPr>
+      <p:pic>
+        <p:nvPicPr>
+          <p:cNvPr id="3" name="Imagem 2"/>
+          <p:cNvPicPr>
+            <a:picLocks noChangeAspect="1"/>
+          </p:cNvPicPr>
+          <p:nvPr/>
+        </p:nvPicPr>
+        <p:blipFill>
+          <a:blip r:embed="rId2"/>
+          <a:stretch>
+            <a:fillRect/>
+          </a:stretch>
+        </p:blipFill>
+        <p:spPr>
+          <a:xfrm>
+            <a:off x="0" y="6309320"/>
+            <a:ext cx="9042400" cy="444500"/>
+          </a:xfrm>
+          <a:prstGeom prst="rect">
+            <a:avLst/>
+          </a:prstGeom>
+        </p:spPr>
+      </p:pic>
+      <p:sp>
+        <p:nvSpPr>
+          <p:cNvPr id="2" name="Retângulo 1">
+            <a:extLst>
+              <a:ext uri="{FF2B5EF4-FFF2-40B4-BE49-F238E27FC236}">
+                <a16:creationId xmlns:a16="http://schemas.microsoft.com/office/drawing/2014/main" id="{D77F071C-103F-4F96-8E4A-D77547C4EF4C}"/>
+              </a:ext>
+            </a:extLst>
+          </p:cNvPr>
+          <p:cNvSpPr/>
+          <p:nvPr/>
+        </p:nvSpPr>
+        <p:spPr>
+          <a:xfrm>
+            <a:off x="1478036" y="188640"/>
+            <a:ext cx="3132332" cy="923330"/>
+          </a:xfrm>
+          <a:prstGeom prst="rect">
+            <a:avLst/>
+          </a:prstGeom>
+          <a:noFill/>
+        </p:spPr>
+        <p:txBody>
+          <a:bodyPr wrap="none" lIns="91440" tIns="45720" rIns="91440" bIns="45720">
+            <a:spAutoFit/>
+          </a:bodyPr>
+          <a:lstStyle/>
+          <a:p>
+            <a:pPr algn="ctr"/>
+            <a:r>
+              <a:rPr lang="pt-BR" sz="5400" b="1" u="sng" cap="none" spc="0" dirty="0">
+                <a:ln w="22225">
+                  <a:solidFill>
+                    <a:schemeClr val="accent2"/>
+                  </a:solidFill>
+                  <a:prstDash val="solid"/>
+                </a:ln>
+                <a:solidFill>
+                  <a:schemeClr val="accent2">
+                    <a:lumMod val="40000"/>
+                    <a:lumOff val="60000"/>
+                  </a:schemeClr>
+                </a:solidFill>
+              </a:rPr>
+              <a:t>Benefícios</a:t>
+            </a:r>
+          </a:p>
+        </p:txBody>
+      </p:sp>
+      <p:sp>
+        <p:nvSpPr>
+          <p:cNvPr id="4" name="Retângulo 3">
+            <a:extLst>
+              <a:ext uri="{FF2B5EF4-FFF2-40B4-BE49-F238E27FC236}">
+                <a16:creationId xmlns:a16="http://schemas.microsoft.com/office/drawing/2014/main" id="{837F4B3F-D2FE-4D53-86BF-18FA42ABAAF0}"/>
+              </a:ext>
+            </a:extLst>
+          </p:cNvPr>
+          <p:cNvSpPr/>
+          <p:nvPr/>
+        </p:nvSpPr>
+        <p:spPr>
+          <a:xfrm>
+            <a:off x="1478036" y="1177379"/>
             <a:ext cx="7992023" cy="4308872"/>
           </a:xfrm>
           <a:prstGeom prst="rect">
@@ -4037,7 +5721,7 @@
 </p:sld>
 </file>
 
-<file path=ppt/slides/slide7.xml><?xml version="1.0" encoding="utf-8"?>
+<file path=ppt/slides/slide8.xml><?xml version="1.0" encoding="utf-8"?>
 <p:sld xmlns:a="http://schemas.openxmlformats.org/drawingml/2006/main" xmlns:r="http://schemas.openxmlformats.org/officeDocument/2006/relationships" xmlns:p="http://schemas.openxmlformats.org/presentationml/2006/main">
   <p:cSld>
     <p:spTree>
@@ -4388,7 +6072,7 @@
                 <a14:useLocalDpi xmlns:a14="http://schemas.microsoft.com/office/drawing/2010/main" val="0"/>
               </a:ext>
               <a:ext uri="{96DAC541-7B7A-43D3-8B79-37D633B846F1}">
-                <asvg:svgBlip xmlns:asvg="http://schemas.microsoft.com/office/drawing/2016/SVG/main" r:embed="rId8"/>
+                <asvg:svgBlip xmlns:asvg="http://schemas.microsoft.com/office/drawing/2016/SVG/main" xmlns="" r:embed="rId8"/>
               </a:ext>
             </a:extLst>
           </a:blip>
@@ -5472,157 +7156,6 @@
 </p:sld>
 </file>
 
-<file path=ppt/slides/slide8.xml><?xml version="1.0" encoding="utf-8"?>
-<p:sld xmlns:a="http://schemas.openxmlformats.org/drawingml/2006/main" xmlns:r="http://schemas.openxmlformats.org/officeDocument/2006/relationships" xmlns:p="http://schemas.openxmlformats.org/presentationml/2006/main">
-  <p:cSld>
-    <p:spTree>
-      <p:nvGrpSpPr>
-        <p:cNvPr id="1" name=""/>
-        <p:cNvGrpSpPr/>
-        <p:nvPr/>
-      </p:nvGrpSpPr>
-      <p:grpSpPr>
-        <a:xfrm>
-          <a:off x="0" y="0"/>
-          <a:ext cx="0" cy="0"/>
-          <a:chOff x="0" y="0"/>
-          <a:chExt cx="0" cy="0"/>
-        </a:xfrm>
-      </p:grpSpPr>
-      <p:pic>
-        <p:nvPicPr>
-          <p:cNvPr id="3" name="Imagem 2"/>
-          <p:cNvPicPr>
-            <a:picLocks noChangeAspect="1"/>
-          </p:cNvPicPr>
-          <p:nvPr/>
-        </p:nvPicPr>
-        <p:blipFill>
-          <a:blip r:embed="rId2"/>
-          <a:stretch>
-            <a:fillRect/>
-          </a:stretch>
-        </p:blipFill>
-        <p:spPr>
-          <a:xfrm>
-            <a:off x="0" y="6309320"/>
-            <a:ext cx="9042400" cy="444500"/>
-          </a:xfrm>
-          <a:prstGeom prst="rect">
-            <a:avLst/>
-          </a:prstGeom>
-        </p:spPr>
-      </p:pic>
-      <p:sp>
-        <p:nvSpPr>
-          <p:cNvPr id="2" name="Retângulo 1">
-            <a:extLst>
-              <a:ext uri="{FF2B5EF4-FFF2-40B4-BE49-F238E27FC236}">
-                <a16:creationId xmlns:a16="http://schemas.microsoft.com/office/drawing/2014/main" id="{D77F071C-103F-4F96-8E4A-D77547C4EF4C}"/>
-              </a:ext>
-            </a:extLst>
-          </p:cNvPr>
-          <p:cNvSpPr/>
-          <p:nvPr/>
-        </p:nvSpPr>
-        <p:spPr>
-          <a:xfrm>
-            <a:off x="2372471" y="2420888"/>
-            <a:ext cx="4297458" cy="923330"/>
-          </a:xfrm>
-          <a:prstGeom prst="rect">
-            <a:avLst/>
-          </a:prstGeom>
-          <a:noFill/>
-        </p:spPr>
-        <p:txBody>
-          <a:bodyPr wrap="none" lIns="91440" tIns="45720" rIns="91440" bIns="45720">
-            <a:spAutoFit/>
-          </a:bodyPr>
-          <a:lstStyle/>
-          <a:p>
-            <a:pPr algn="ctr"/>
-            <a:r>
-              <a:rPr lang="pt-BR" sz="5400" b="1" u="sng" cap="none" spc="0" dirty="0">
-                <a:ln w="22225">
-                  <a:solidFill>
-                    <a:schemeClr val="accent2"/>
-                  </a:solidFill>
-                  <a:prstDash val="solid"/>
-                </a:ln>
-                <a:solidFill>
-                  <a:schemeClr val="accent2">
-                    <a:lumMod val="40000"/>
-                    <a:lumOff val="60000"/>
-                  </a:schemeClr>
-                </a:solidFill>
-              </a:rPr>
-              <a:t>O que foi feito</a:t>
-            </a:r>
-          </a:p>
-        </p:txBody>
-      </p:sp>
-      <p:pic>
-        <p:nvPicPr>
-          <p:cNvPr id="6" name="Imagem 5">
-            <a:extLst>
-              <a:ext uri="{FF2B5EF4-FFF2-40B4-BE49-F238E27FC236}">
-                <a16:creationId xmlns:a16="http://schemas.microsoft.com/office/drawing/2014/main" id="{2C150B34-1468-4FF0-90E5-31520EE4E708}"/>
-              </a:ext>
-            </a:extLst>
-          </p:cNvPr>
-          <p:cNvPicPr>
-            <a:picLocks noChangeAspect="1"/>
-          </p:cNvPicPr>
-          <p:nvPr/>
-        </p:nvPicPr>
-        <p:blipFill>
-          <a:blip r:embed="rId3">
-            <a:extLst>
-              <a:ext uri="{28A0092B-C50C-407E-A947-70E740481C1C}">
-                <a14:useLocalDpi xmlns:a14="http://schemas.microsoft.com/office/drawing/2010/main" val="0"/>
-              </a:ext>
-            </a:extLst>
-          </a:blip>
-          <a:stretch>
-            <a:fillRect/>
-          </a:stretch>
-        </p:blipFill>
-        <p:spPr>
-          <a:xfrm>
-            <a:off x="2808221" y="341258"/>
-            <a:ext cx="3425957" cy="2569468"/>
-          </a:xfrm>
-          <a:prstGeom prst="rect">
-            <a:avLst/>
-          </a:prstGeom>
-        </p:spPr>
-      </p:pic>
-    </p:spTree>
-    <p:extLst>
-      <p:ext uri="{BB962C8B-B14F-4D97-AF65-F5344CB8AC3E}">
-        <p14:creationId xmlns:p14="http://schemas.microsoft.com/office/powerpoint/2010/main" val="2348936924"/>
-      </p:ext>
-    </p:extLst>
-  </p:cSld>
-  <p:clrMapOvr>
-    <a:masterClrMapping/>
-  </p:clrMapOvr>
-  <mc:AlternateContent xmlns:mc="http://schemas.openxmlformats.org/markup-compatibility/2006" xmlns:p14="http://schemas.microsoft.com/office/powerpoint/2010/main">
-    <mc:Choice Requires="p14">
-      <p:transition spd="med" p14:dur="700">
-        <p:fade/>
-      </p:transition>
-    </mc:Choice>
-    <mc:Fallback xmlns="">
-      <p:transition spd="med">
-        <p:fade/>
-      </p:transition>
-    </mc:Fallback>
-  </mc:AlternateContent>
-</p:sld>
-</file>
-
 <file path=ppt/slides/slide9.xml><?xml version="1.0" encoding="utf-8"?>
 <p:sld xmlns:a="http://schemas.openxmlformats.org/drawingml/2006/main" xmlns:r="http://schemas.openxmlformats.org/officeDocument/2006/relationships" xmlns:p="http://schemas.openxmlformats.org/presentationml/2006/main">
   <p:cSld>
@@ -5678,8 +7211,8 @@
         </p:nvSpPr>
         <p:spPr>
           <a:xfrm>
-            <a:off x="2149621" y="2420888"/>
-            <a:ext cx="4743158" cy="923330"/>
+            <a:off x="1187624" y="188640"/>
+            <a:ext cx="4027000" cy="923330"/>
           </a:xfrm>
           <a:prstGeom prst="rect">
             <a:avLst/>
@@ -5694,7 +7227,7 @@
           <a:p>
             <a:pPr algn="ctr"/>
             <a:r>
-              <a:rPr lang="pt-BR" sz="5400" b="1" u="sng" cap="none" spc="0" dirty="0">
+              <a:rPr lang="pt-BR" sz="5400" b="1" u="sng" cap="none" spc="0" dirty="0" smtClean="0">
                 <a:ln w="22225">
                   <a:solidFill>
                     <a:schemeClr val="accent2"/>
@@ -5708,8 +7241,136 @@
                   </a:schemeClr>
                 </a:solidFill>
               </a:rPr>
-              <a:t>O que será feito</a:t>
+              <a:t>Comunicação</a:t>
             </a:r>
+            <a:endParaRPr lang="pt-BR" sz="5400" b="1" u="sng" cap="none" spc="0" dirty="0">
+              <a:ln w="22225">
+                <a:solidFill>
+                  <a:schemeClr val="accent2"/>
+                </a:solidFill>
+                <a:prstDash val="solid"/>
+              </a:ln>
+              <a:solidFill>
+                <a:schemeClr val="accent2">
+                  <a:lumMod val="40000"/>
+                  <a:lumOff val="60000"/>
+                </a:schemeClr>
+              </a:solidFill>
+            </a:endParaRPr>
+          </a:p>
+        </p:txBody>
+      </p:sp>
+      <p:sp>
+        <p:nvSpPr>
+          <p:cNvPr id="4" name="Retângulo 3">
+            <a:extLst>
+              <a:ext uri="{FF2B5EF4-FFF2-40B4-BE49-F238E27FC236}">
+                <a16:creationId xmlns:a16="http://schemas.microsoft.com/office/drawing/2014/main" id="{837F4B3F-D2FE-4D53-86BF-18FA42ABAAF0}"/>
+              </a:ext>
+            </a:extLst>
+          </p:cNvPr>
+          <p:cNvSpPr/>
+          <p:nvPr/>
+        </p:nvSpPr>
+        <p:spPr>
+          <a:xfrm>
+            <a:off x="1478036" y="1177379"/>
+            <a:ext cx="7992023" cy="2277547"/>
+          </a:xfrm>
+          <a:prstGeom prst="rect">
+            <a:avLst/>
+          </a:prstGeom>
+          <a:noFill/>
+        </p:spPr>
+        <p:txBody>
+          <a:bodyPr wrap="square" lIns="91440" tIns="45720" rIns="91440" bIns="45720">
+            <a:spAutoFit/>
+          </a:bodyPr>
+          <a:lstStyle/>
+          <a:p>
+            <a:pPr marL="571500" indent="-571500">
+              <a:buFont typeface="Arial" panose="020B0604020202020204" pitchFamily="34" charset="0"/>
+              <a:buChar char="•"/>
+            </a:pPr>
+            <a:r>
+              <a:rPr lang="pt-BR" sz="4400" b="1" dirty="0" smtClean="0">
+                <a:ln w="6600">
+                  <a:solidFill>
+                    <a:schemeClr val="accent2"/>
+                  </a:solidFill>
+                  <a:prstDash val="solid"/>
+                </a:ln>
+                <a:solidFill>
+                  <a:srgbClr val="FFFFFF"/>
+                </a:solidFill>
+                <a:effectLst>
+                  <a:outerShdw dist="38100" dir="2700000" algn="tl" rotWithShape="0">
+                    <a:schemeClr val="accent2"/>
+                  </a:outerShdw>
+                </a:effectLst>
+              </a:rPr>
+              <a:t>Protocolo MQTT</a:t>
+            </a:r>
+            <a:endParaRPr lang="pt-BR" sz="4400" b="1" cap="none" spc="0" dirty="0">
+              <a:ln w="6600">
+                <a:solidFill>
+                  <a:schemeClr val="accent2"/>
+                </a:solidFill>
+                <a:prstDash val="solid"/>
+              </a:ln>
+              <a:solidFill>
+                <a:srgbClr val="FFFFFF"/>
+              </a:solidFill>
+              <a:effectLst>
+                <a:outerShdw dist="38100" dir="2700000" algn="tl" rotWithShape="0">
+                  <a:schemeClr val="accent2"/>
+                </a:outerShdw>
+              </a:effectLst>
+            </a:endParaRPr>
+          </a:p>
+          <a:p>
+            <a:pPr marL="685800" indent="-685800" algn="ctr">
+              <a:buFont typeface="Arial" panose="020B0604020202020204" pitchFamily="34" charset="0"/>
+              <a:buChar char="•"/>
+            </a:pPr>
+            <a:endParaRPr lang="pt-BR" sz="4400" b="1" dirty="0">
+              <a:ln w="6600">
+                <a:solidFill>
+                  <a:schemeClr val="accent2"/>
+                </a:solidFill>
+                <a:prstDash val="solid"/>
+              </a:ln>
+              <a:solidFill>
+                <a:srgbClr val="FFFFFF"/>
+              </a:solidFill>
+              <a:effectLst>
+                <a:outerShdw dist="38100" dir="2700000" algn="tl" rotWithShape="0">
+                  <a:schemeClr val="accent2"/>
+                </a:outerShdw>
+              </a:effectLst>
+            </a:endParaRPr>
+          </a:p>
+          <a:p>
+            <a:pPr marL="685800" indent="-685800" algn="ctr">
+              <a:buFont typeface="Arial" panose="020B0604020202020204" pitchFamily="34" charset="0"/>
+              <a:buChar char="•"/>
+            </a:pPr>
+            <a:endParaRPr lang="pt-BR" sz="5400" b="1" cap="none" spc="0" dirty="0">
+              <a:ln w="6600">
+                <a:solidFill>
+                  <a:schemeClr val="accent2"/>
+                </a:solidFill>
+                <a:prstDash val="solid"/>
+              </a:ln>
+              <a:solidFill>
+                <a:srgbClr val="FFFFFF"/>
+              </a:solidFill>
+              <a:effectLst>
+                <a:outerShdw dist="38100" dir="2700000" algn="tl" rotWithShape="0">
+                  <a:schemeClr val="accent2"/>
+                </a:outerShdw>
+              </a:effectLst>
+            </a:endParaRPr>
           </a:p>
         </p:txBody>
       </p:sp>
@@ -5741,8 +7402,37 @@
         </p:blipFill>
         <p:spPr>
           <a:xfrm>
-            <a:off x="2808221" y="313085"/>
+            <a:off x="-972616" y="-634429"/>
             <a:ext cx="3425957" cy="2569468"/>
+          </a:xfrm>
+          <a:prstGeom prst="rect">
+            <a:avLst/>
+          </a:prstGeom>
+        </p:spPr>
+      </p:pic>
+      <p:pic>
+        <p:nvPicPr>
+          <p:cNvPr id="5" name="Imagem 4"/>
+          <p:cNvPicPr>
+            <a:picLocks noChangeAspect="1"/>
+          </p:cNvPicPr>
+          <p:nvPr/>
+        </p:nvPicPr>
+        <p:blipFill rotWithShape="1">
+          <a:blip r:embed="rId4">
+            <a:extLst>
+              <a:ext uri="{28A0092B-C50C-407E-A947-70E740481C1C}">
+                <a14:useLocalDpi xmlns:a14="http://schemas.microsoft.com/office/drawing/2010/main" val="0"/>
+              </a:ext>
+            </a:extLst>
+          </a:blip>
+          <a:srcRect t="10649"/>
+          <a:stretch/>
+        </p:blipFill>
+        <p:spPr>
+          <a:xfrm>
+            <a:off x="1442660" y="2002999"/>
+            <a:ext cx="6076950" cy="4076626"/>
           </a:xfrm>
           <a:prstGeom prst="rect">
             <a:avLst/>
@@ -5752,7 +7442,7 @@
     </p:spTree>
     <p:extLst>
       <p:ext uri="{BB962C8B-B14F-4D97-AF65-F5344CB8AC3E}">
-        <p14:creationId xmlns:p14="http://schemas.microsoft.com/office/powerpoint/2010/main" val="3719844048"/>
+        <p14:creationId xmlns:p14="http://schemas.microsoft.com/office/powerpoint/2010/main" val="2499596034"/>
       </p:ext>
     </p:extLst>
   </p:cSld>

--- a/power point/Apresentação.pptx
+++ b/power point/Apresentação.pptx
@@ -2328,7 +2328,7 @@
           <a:p>
             <a:pPr algn="ctr"/>
             <a:r>
-              <a:rPr lang="pt-BR" sz="5400" b="1" u="sng" cap="none" spc="0" dirty="0" smtClean="0">
+              <a:rPr lang="pt-BR" sz="5400" b="1" u="sng" cap="none" spc="0" dirty="0">
                 <a:ln w="22225">
                   <a:solidFill>
                     <a:schemeClr val="accent2"/>
@@ -2344,20 +2344,6 @@
               </a:rPr>
               <a:t>Material Utilizado</a:t>
             </a:r>
-            <a:endParaRPr lang="pt-BR" sz="5400" b="1" u="sng" cap="none" spc="0" dirty="0">
-              <a:ln w="22225">
-                <a:solidFill>
-                  <a:schemeClr val="accent2"/>
-                </a:solidFill>
-                <a:prstDash val="solid"/>
-              </a:ln>
-              <a:solidFill>
-                <a:schemeClr val="accent2">
-                  <a:lumMod val="40000"/>
-                  <a:lumOff val="60000"/>
-                </a:schemeClr>
-              </a:solidFill>
-            </a:endParaRPr>
           </a:p>
         </p:txBody>
       </p:sp>
@@ -2394,7 +2380,7 @@
               <a:buChar char="•"/>
             </a:pPr>
             <a:r>
-              <a:rPr lang="pt-BR" sz="3600" b="1" dirty="0" smtClean="0">
+              <a:rPr lang="pt-BR" sz="3600" b="1" dirty="0">
                 <a:ln w="6600">
                   <a:solidFill>
                     <a:schemeClr val="accent2"/>
@@ -2413,7 +2399,7 @@
               <a:t>1x </a:t>
             </a:r>
             <a:r>
-              <a:rPr lang="pt-BR" sz="3600" b="1" dirty="0" err="1" smtClean="0">
+              <a:rPr lang="pt-BR" sz="3600" b="1" dirty="0" err="1">
                 <a:ln w="6600">
                   <a:solidFill>
                     <a:schemeClr val="accent2"/>
@@ -2432,7 +2418,7 @@
               <a:t>Arduino</a:t>
             </a:r>
             <a:r>
-              <a:rPr lang="pt-BR" sz="3600" b="1" dirty="0" smtClean="0">
+              <a:rPr lang="pt-BR" sz="3600" b="1" dirty="0">
                 <a:ln w="6600">
                   <a:solidFill>
                     <a:schemeClr val="accent2"/>
@@ -2457,7 +2443,7 @@
               <a:buChar char="•"/>
             </a:pPr>
             <a:r>
-              <a:rPr lang="pt-BR" sz="3600" b="1" cap="none" spc="0" dirty="0" smtClean="0">
+              <a:rPr lang="pt-BR" sz="3600" b="1" cap="none" spc="0" dirty="0">
                 <a:ln w="6600">
                   <a:solidFill>
                     <a:schemeClr val="accent2"/>
@@ -2476,7 +2462,7 @@
               <a:t>1x </a:t>
             </a:r>
             <a:r>
-              <a:rPr lang="pt-BR" sz="3600" b="1" cap="none" spc="0" dirty="0" err="1" smtClean="0">
+              <a:rPr lang="pt-BR" sz="3600" b="1" cap="none" spc="0" dirty="0" err="1">
                 <a:ln w="6600">
                   <a:solidFill>
                     <a:schemeClr val="accent2"/>
@@ -2495,7 +2481,7 @@
               <a:t>Shield</a:t>
             </a:r>
             <a:r>
-              <a:rPr lang="pt-BR" sz="3600" b="1" cap="none" spc="0" dirty="0" smtClean="0">
+              <a:rPr lang="pt-BR" sz="3600" b="1" cap="none" spc="0" dirty="0">
                 <a:ln w="6600">
                   <a:solidFill>
                     <a:schemeClr val="accent2"/>
@@ -2520,7 +2506,7 @@
               <a:buChar char="•"/>
             </a:pPr>
             <a:r>
-              <a:rPr lang="pt-BR" sz="3600" b="1" dirty="0" smtClean="0">
+              <a:rPr lang="pt-BR" sz="3600" b="1" dirty="0">
                 <a:ln w="6600">
                   <a:solidFill>
                     <a:schemeClr val="accent2"/>
@@ -2539,7 +2525,7 @@
               <a:t>9x Jumpers Macho </a:t>
             </a:r>
             <a:r>
-              <a:rPr lang="pt-BR" sz="3600" b="1" dirty="0" err="1" smtClean="0">
+              <a:rPr lang="pt-BR" sz="3600" b="1" dirty="0" err="1">
                 <a:ln w="6600">
                   <a:solidFill>
                     <a:schemeClr val="accent2"/>
@@ -2557,7 +2543,7 @@
               </a:rPr>
               <a:t>Macho</a:t>
             </a:r>
-            <a:endParaRPr lang="pt-BR" sz="3600" b="1" dirty="0" smtClean="0">
+            <a:endParaRPr lang="pt-BR" sz="3600" b="1" dirty="0">
               <a:ln w="6600">
                 <a:solidFill>
                   <a:schemeClr val="accent2"/>
@@ -2580,7 +2566,7 @@
               <a:buChar char="•"/>
             </a:pPr>
             <a:r>
-              <a:rPr lang="pt-BR" sz="3600" b="1" cap="none" spc="0" dirty="0" smtClean="0">
+              <a:rPr lang="pt-BR" sz="3600" b="1" cap="none" spc="0" dirty="0">
                 <a:ln w="6600">
                   <a:solidFill>
                     <a:schemeClr val="accent2"/>
@@ -2605,7 +2591,7 @@
               <a:buChar char="•"/>
             </a:pPr>
             <a:r>
-              <a:rPr lang="pt-BR" sz="3600" b="1" dirty="0" smtClean="0">
+              <a:rPr lang="pt-BR" sz="3600" b="1" dirty="0">
                 <a:ln w="6600">
                   <a:solidFill>
                     <a:schemeClr val="accent2"/>
@@ -2624,7 +2610,7 @@
               <a:t>1x </a:t>
             </a:r>
             <a:r>
-              <a:rPr lang="pt-BR" sz="3600" b="1" dirty="0" err="1" smtClean="0">
+              <a:rPr lang="pt-BR" sz="3600" b="1" dirty="0" err="1">
                 <a:ln w="6600">
                   <a:solidFill>
                     <a:schemeClr val="accent2"/>
@@ -2642,7 +2628,7 @@
               </a:rPr>
               <a:t>Protoboard</a:t>
             </a:r>
-            <a:endParaRPr lang="pt-BR" sz="3600" b="1" dirty="0" smtClean="0">
+            <a:endParaRPr lang="pt-BR" sz="3600" b="1" dirty="0">
               <a:ln w="6600">
                 <a:solidFill>
                   <a:schemeClr val="accent2"/>
@@ -2665,7 +2651,7 @@
               <a:buChar char="•"/>
             </a:pPr>
             <a:r>
-              <a:rPr lang="pt-BR" sz="3600" b="1" dirty="0" smtClean="0">
+              <a:rPr lang="pt-BR" sz="3600" b="1" dirty="0">
                 <a:ln w="6600">
                   <a:solidFill>
                     <a:schemeClr val="accent2"/>
@@ -2684,7 +2670,7 @@
               <a:t>6x </a:t>
             </a:r>
             <a:r>
-              <a:rPr lang="pt-BR" sz="3600" b="1" dirty="0" err="1" smtClean="0">
+              <a:rPr lang="pt-BR" sz="3600" b="1" dirty="0" err="1">
                 <a:ln w="6600">
                   <a:solidFill>
                     <a:schemeClr val="accent2"/>
@@ -2703,7 +2689,7 @@
               <a:t>Leds</a:t>
             </a:r>
             <a:r>
-              <a:rPr lang="pt-BR" sz="3600" b="1" dirty="0" smtClean="0">
+              <a:rPr lang="pt-BR" sz="3600" b="1" dirty="0">
                 <a:ln w="6600">
                   <a:solidFill>
                     <a:schemeClr val="accent2"/>
@@ -2719,26 +2705,7 @@
                   </a:outerShdw>
                 </a:effectLst>
               </a:rPr>
-              <a:t> 5mm</a:t>
-            </a:r>
-            <a:r>
-              <a:rPr lang="pt-BR" sz="3600" b="1" dirty="0" smtClean="0">
-                <a:ln w="6600">
-                  <a:solidFill>
-                    <a:schemeClr val="accent2"/>
-                  </a:solidFill>
-                  <a:prstDash val="solid"/>
-                </a:ln>
-                <a:solidFill>
-                  <a:srgbClr val="FFFFFF"/>
-                </a:solidFill>
-                <a:effectLst>
-                  <a:outerShdw dist="38100" dir="2700000" algn="tl" rotWithShape="0">
-                    <a:schemeClr val="accent2"/>
-                  </a:outerShdw>
-                </a:effectLst>
-              </a:rPr>
-              <a:t> </a:t>
+              <a:t> 5mm </a:t>
             </a:r>
           </a:p>
           <a:p>
@@ -2747,7 +2714,7 @@
               <a:buChar char="•"/>
             </a:pPr>
             <a:r>
-              <a:rPr lang="pt-BR" sz="3600" b="1" cap="none" spc="0" dirty="0" smtClean="0">
+              <a:rPr lang="pt-BR" sz="3600" b="1" cap="none" spc="0" dirty="0">
                 <a:ln w="6600">
                   <a:solidFill>
                     <a:schemeClr val="accent2"/>
@@ -2772,7 +2739,7 @@
               <a:buChar char="•"/>
             </a:pPr>
             <a:r>
-              <a:rPr lang="pt-BR" sz="3600" b="1" dirty="0" smtClean="0">
+              <a:rPr lang="pt-BR" sz="3600" b="1" dirty="0">
                 <a:ln w="6600">
                   <a:solidFill>
                     <a:schemeClr val="accent2"/>
@@ -2791,7 +2758,7 @@
               <a:t>3 Resistor 300 </a:t>
             </a:r>
             <a:r>
-              <a:rPr lang="el-GR" dirty="0" smtClean="0"/>
+              <a:rPr lang="el-GR" dirty="0"/>
               <a:t>Ω</a:t>
             </a:r>
           </a:p>
@@ -2995,7 +2962,7 @@
           <a:p>
             <a:pPr algn="ctr"/>
             <a:r>
-              <a:rPr lang="pt-BR" sz="5400" b="1" u="sng" dirty="0" smtClean="0">
+              <a:rPr lang="pt-BR" sz="5400" b="1" u="sng" dirty="0">
                 <a:ln w="22225">
                   <a:solidFill>
                     <a:schemeClr val="accent2"/>
@@ -3078,8 +3045,8 @@
         </p:nvSpPr>
         <p:spPr>
           <a:xfrm>
-            <a:off x="1044716" y="1111970"/>
-            <a:ext cx="8280920" cy="4647426"/>
+            <a:off x="251520" y="1111970"/>
+            <a:ext cx="9074116" cy="6124754"/>
           </a:xfrm>
           <a:prstGeom prst="rect">
             <a:avLst/>
@@ -3097,7 +3064,7 @@
               <a:buChar char="•"/>
             </a:pPr>
             <a:r>
-              <a:rPr lang="pt-BR" sz="3200" b="1" dirty="0" smtClean="0">
+              <a:rPr lang="pt-BR" sz="3200" b="1" dirty="0">
                 <a:ln w="6600">
                   <a:solidFill>
                     <a:schemeClr val="accent2"/>
@@ -3132,26 +3099,7 @@
                   </a:outerShdw>
                 </a:effectLst>
               </a:rPr>
-              <a:t>e</a:t>
-            </a:r>
-            <a:r>
-              <a:rPr lang="pt-BR" sz="3200" b="1" dirty="0" err="1" smtClean="0">
-                <a:ln w="6600">
-                  <a:solidFill>
-                    <a:schemeClr val="accent2"/>
-                  </a:solidFill>
-                  <a:prstDash val="solid"/>
-                </a:ln>
-                <a:solidFill>
-                  <a:srgbClr val="FFFFFF"/>
-                </a:solidFill>
-                <a:effectLst>
-                  <a:outerShdw dist="38100" dir="2700000" algn="tl" rotWithShape="0">
-                    <a:schemeClr val="accent2"/>
-                  </a:outerShdw>
-                </a:effectLst>
-              </a:rPr>
-              <a:t>-F@tec</a:t>
+              <a:t>e-F@tec</a:t>
             </a:r>
             <a:endParaRPr lang="pt-BR" sz="3200" b="1" cap="none" spc="0" dirty="0">
               <a:ln w="6600">
@@ -3176,7 +3124,7 @@
               <a:buChar char="•"/>
             </a:pPr>
             <a:r>
-              <a:rPr lang="pt-BR" sz="3200" b="1" dirty="0" smtClean="0">
+              <a:rPr lang="pt-BR" sz="3200" b="1" dirty="0">
                 <a:ln w="6600">
                   <a:solidFill>
                     <a:schemeClr val="accent2"/>
@@ -3193,6 +3141,75 @@
                 </a:effectLst>
               </a:rPr>
               <a:t>1 Publicação na FIB Bauru</a:t>
+            </a:r>
+          </a:p>
+          <a:p>
+            <a:pPr marL="571500" indent="-571500">
+              <a:buFont typeface="Arial" panose="020B0604020202020204" pitchFamily="34" charset="0"/>
+              <a:buChar char="•"/>
+            </a:pPr>
+            <a:r>
+              <a:rPr lang="pt-BR" sz="3200" b="1" cap="none" spc="0" dirty="0">
+                <a:ln w="6600">
+                  <a:solidFill>
+                    <a:schemeClr val="accent2"/>
+                  </a:solidFill>
+                  <a:prstDash val="solid"/>
+                </a:ln>
+                <a:solidFill>
+                  <a:srgbClr val="FFFFFF"/>
+                </a:solidFill>
+                <a:effectLst>
+                  <a:outerShdw dist="38100" dir="2700000" algn="tl" rotWithShape="0">
+                    <a:schemeClr val="accent2"/>
+                  </a:outerShdw>
+                </a:effectLst>
+              </a:rPr>
+              <a:t>1 Apresentação na FIB Bauru</a:t>
+            </a:r>
+          </a:p>
+          <a:p>
+            <a:pPr marL="571500" indent="-571500">
+              <a:buFont typeface="Arial" panose="020B0604020202020204" pitchFamily="34" charset="0"/>
+              <a:buChar char="•"/>
+            </a:pPr>
+            <a:r>
+              <a:rPr lang="pt-BR" sz="3200" b="1" dirty="0">
+                <a:ln w="6600">
+                  <a:solidFill>
+                    <a:schemeClr val="accent2"/>
+                  </a:solidFill>
+                  <a:prstDash val="solid"/>
+                </a:ln>
+                <a:solidFill>
+                  <a:srgbClr val="FFFFFF"/>
+                </a:solidFill>
+                <a:effectLst>
+                  <a:outerShdw dist="38100" dir="2700000" algn="tl" rotWithShape="0">
+                    <a:schemeClr val="accent2"/>
+                  </a:outerShdw>
+                </a:effectLst>
+              </a:rPr>
+              <a:t>1 Apresentação na </a:t>
+            </a:r>
+            <a:r>
+              <a:rPr lang="pt-BR" sz="3200" b="1" dirty="0" err="1">
+                <a:ln w="6600">
+                  <a:solidFill>
+                    <a:schemeClr val="accent2"/>
+                  </a:solidFill>
+                  <a:prstDash val="solid"/>
+                </a:ln>
+                <a:solidFill>
+                  <a:srgbClr val="FFFFFF"/>
+                </a:solidFill>
+                <a:effectLst>
+                  <a:outerShdw dist="38100" dir="2700000" algn="tl" rotWithShape="0">
+                    <a:schemeClr val="accent2"/>
+                  </a:outerShdw>
+                </a:effectLst>
+              </a:rPr>
+              <a:t>Univem</a:t>
             </a:r>
             <a:endParaRPr lang="pt-BR" sz="3200" b="1" dirty="0">
               <a:ln w="6600">
@@ -3217,7 +3234,7 @@
               <a:buChar char="•"/>
             </a:pPr>
             <a:r>
-              <a:rPr lang="pt-BR" sz="3200" b="1" cap="none" spc="0" dirty="0" smtClean="0">
+              <a:rPr lang="pt-BR" sz="3200" b="1" cap="none" spc="0" dirty="0">
                 <a:ln w="6600">
                   <a:solidFill>
                     <a:schemeClr val="accent2"/>
@@ -3233,7 +3250,26 @@
                   </a:outerShdw>
                 </a:effectLst>
               </a:rPr>
-              <a:t>1 Apresentação na FIB Bauru</a:t>
+              <a:t>1 Apresentação Jor</a:t>
+            </a:r>
+            <a:r>
+              <a:rPr lang="pt-BR" sz="3200" b="1" dirty="0">
+                <a:ln w="6600">
+                  <a:solidFill>
+                    <a:schemeClr val="accent2"/>
+                  </a:solidFill>
+                  <a:prstDash val="solid"/>
+                </a:ln>
+                <a:solidFill>
+                  <a:srgbClr val="FFFFFF"/>
+                </a:solidFill>
+                <a:effectLst>
+                  <a:outerShdw dist="38100" dir="2700000" algn="tl" rotWithShape="0">
+                    <a:schemeClr val="accent2"/>
+                  </a:outerShdw>
+                </a:effectLst>
+              </a:rPr>
+              <a:t>nada de Iniciação Científica</a:t>
             </a:r>
           </a:p>
           <a:p>
@@ -3242,7 +3278,7 @@
               <a:buChar char="•"/>
             </a:pPr>
             <a:r>
-              <a:rPr lang="pt-BR" sz="3200" b="1" dirty="0" smtClean="0">
+              <a:rPr lang="pt-BR" sz="3200" b="1" cap="none" spc="0" dirty="0">
                 <a:ln w="6600">
                   <a:solidFill>
                     <a:schemeClr val="accent2"/>
@@ -3258,10 +3294,10 @@
                   </a:outerShdw>
                 </a:effectLst>
               </a:rPr>
-              <a:t>1 Apresentação na </a:t>
+              <a:t>1 Apresentação S</a:t>
             </a:r>
             <a:r>
-              <a:rPr lang="pt-BR" sz="3200" b="1" dirty="0" err="1" smtClean="0">
+              <a:rPr lang="pt-BR" sz="3200" b="1" dirty="0">
                 <a:ln w="6600">
                   <a:solidFill>
                     <a:schemeClr val="accent2"/>
@@ -3277,7 +3313,7 @@
                   </a:outerShdw>
                 </a:effectLst>
               </a:rPr>
-              <a:t>Univem</a:t>
+              <a:t>emana de Tecnologia Fatec Garça</a:t>
             </a:r>
             <a:endParaRPr lang="pt-BR" sz="3200" b="1" cap="none" spc="0" dirty="0">
               <a:ln w="6600">
@@ -3302,7 +3338,7 @@
               <a:buChar char="•"/>
             </a:pPr>
             <a:r>
-              <a:rPr lang="pt-BR" sz="3200" b="1" dirty="0" smtClean="0">
+              <a:rPr lang="pt-BR" sz="3200" b="1" dirty="0">
                 <a:ln w="6600">
                   <a:solidFill>
                     <a:schemeClr val="accent2"/>
@@ -3481,7 +3517,7 @@
           <a:p>
             <a:pPr algn="ctr"/>
             <a:r>
-              <a:rPr lang="pt-BR" sz="5400" b="1" u="sng" dirty="0" smtClean="0">
+              <a:rPr lang="pt-BR" sz="5400" b="1" u="sng" dirty="0">
                 <a:ln w="22225">
                   <a:solidFill>
                     <a:schemeClr val="accent2"/>
@@ -4436,7 +4472,7 @@
           <a:p>
             <a:pPr algn="ctr"/>
             <a:r>
-              <a:rPr lang="pt-BR" sz="5400" b="1" u="sng" cap="none" spc="0" dirty="0" smtClean="0">
+              <a:rPr lang="pt-BR" sz="5400" b="1" u="sng" cap="none" spc="0" dirty="0">
                 <a:ln w="22225">
                   <a:solidFill>
                     <a:schemeClr val="accent2"/>
@@ -4452,20 +4488,6 @@
               </a:rPr>
               <a:t>Principal Objetivo</a:t>
             </a:r>
-            <a:endParaRPr lang="pt-BR" sz="5400" b="1" u="sng" cap="none" spc="0" dirty="0">
-              <a:ln w="22225">
-                <a:solidFill>
-                  <a:schemeClr val="accent2"/>
-                </a:solidFill>
-                <a:prstDash val="solid"/>
-              </a:ln>
-              <a:solidFill>
-                <a:schemeClr val="accent2">
-                  <a:lumMod val="40000"/>
-                  <a:lumOff val="60000"/>
-                </a:schemeClr>
-              </a:solidFill>
-            </a:endParaRPr>
           </a:p>
         </p:txBody>
       </p:sp>
@@ -4531,7 +4553,7 @@
               <a:buChar char="•"/>
             </a:pPr>
             <a:r>
-              <a:rPr lang="pt-BR" sz="4000" b="1" dirty="0" smtClean="0">
+              <a:rPr lang="pt-BR" sz="4000" b="1" dirty="0">
                 <a:ln w="6600">
                   <a:solidFill>
                     <a:schemeClr val="accent2"/>
@@ -4549,22 +4571,6 @@
               </a:rPr>
               <a:t>Entender, estudar e implementar a comunicação de aplicações com placas embarcadas.</a:t>
             </a:r>
-            <a:endParaRPr lang="pt-BR" sz="4000" b="1" dirty="0">
-              <a:ln w="6600">
-                <a:solidFill>
-                  <a:schemeClr val="accent2"/>
-                </a:solidFill>
-                <a:prstDash val="solid"/>
-              </a:ln>
-              <a:solidFill>
-                <a:srgbClr val="FFFFFF"/>
-              </a:solidFill>
-              <a:effectLst>
-                <a:outerShdw dist="38100" dir="2700000" algn="tl" rotWithShape="0">
-                  <a:schemeClr val="accent2"/>
-                </a:outerShdw>
-              </a:effectLst>
-            </a:endParaRPr>
           </a:p>
           <a:p>
             <a:pPr marL="685800" indent="-685800" algn="ctr">
@@ -6072,7 +6078,7 @@
                 <a14:useLocalDpi xmlns:a14="http://schemas.microsoft.com/office/drawing/2010/main" val="0"/>
               </a:ext>
               <a:ext uri="{96DAC541-7B7A-43D3-8B79-37D633B846F1}">
-                <asvg:svgBlip xmlns:asvg="http://schemas.microsoft.com/office/drawing/2016/SVG/main" xmlns="" r:embed="rId8"/>
+                <asvg:svgBlip xmlns:asvg="http://schemas.microsoft.com/office/drawing/2016/SVG/main" r:embed="rId8"/>
               </a:ext>
             </a:extLst>
           </a:blip>
@@ -7227,7 +7233,7 @@
           <a:p>
             <a:pPr algn="ctr"/>
             <a:r>
-              <a:rPr lang="pt-BR" sz="5400" b="1" u="sng" cap="none" spc="0" dirty="0" smtClean="0">
+              <a:rPr lang="pt-BR" sz="5400" b="1" u="sng" cap="none" spc="0" dirty="0">
                 <a:ln w="22225">
                   <a:solidFill>
                     <a:schemeClr val="accent2"/>
@@ -7243,20 +7249,6 @@
               </a:rPr>
               <a:t>Comunicação</a:t>
             </a:r>
-            <a:endParaRPr lang="pt-BR" sz="5400" b="1" u="sng" cap="none" spc="0" dirty="0">
-              <a:ln w="22225">
-                <a:solidFill>
-                  <a:schemeClr val="accent2"/>
-                </a:solidFill>
-                <a:prstDash val="solid"/>
-              </a:ln>
-              <a:solidFill>
-                <a:schemeClr val="accent2">
-                  <a:lumMod val="40000"/>
-                  <a:lumOff val="60000"/>
-                </a:schemeClr>
-              </a:solidFill>
-            </a:endParaRPr>
           </a:p>
         </p:txBody>
       </p:sp>
@@ -7293,7 +7285,7 @@
               <a:buChar char="•"/>
             </a:pPr>
             <a:r>
-              <a:rPr lang="pt-BR" sz="4400" b="1" dirty="0" smtClean="0">
+              <a:rPr lang="pt-BR" sz="4400" b="1" dirty="0">
                 <a:ln w="6600">
                   <a:solidFill>
                     <a:schemeClr val="accent2"/>
